--- a/course_material/slides/019_test_driven.pptx
+++ b/course_material/slides/019_test_driven.pptx
@@ -6,16 +6,20 @@
   </p:sldMasterIdLst>
   <p:sldIdLst>
     <p:sldId id="256" r:id="rId2"/>
-    <p:sldId id="257" r:id="rId3"/>
-    <p:sldId id="265" r:id="rId4"/>
-    <p:sldId id="258" r:id="rId5"/>
-    <p:sldId id="264" r:id="rId6"/>
-    <p:sldId id="259" r:id="rId7"/>
-    <p:sldId id="263" r:id="rId8"/>
-    <p:sldId id="260" r:id="rId9"/>
-    <p:sldId id="261" r:id="rId10"/>
-    <p:sldId id="262" r:id="rId11"/>
-    <p:sldId id="266" r:id="rId12"/>
+    <p:sldId id="267" r:id="rId3"/>
+    <p:sldId id="268" r:id="rId4"/>
+    <p:sldId id="257" r:id="rId5"/>
+    <p:sldId id="265" r:id="rId6"/>
+    <p:sldId id="258" r:id="rId7"/>
+    <p:sldId id="264" r:id="rId8"/>
+    <p:sldId id="259" r:id="rId9"/>
+    <p:sldId id="269" r:id="rId10"/>
+    <p:sldId id="263" r:id="rId11"/>
+    <p:sldId id="260" r:id="rId12"/>
+    <p:sldId id="270" r:id="rId13"/>
+    <p:sldId id="261" r:id="rId14"/>
+    <p:sldId id="262" r:id="rId15"/>
+    <p:sldId id="266" r:id="rId16"/>
   </p:sldIdLst>
   <p:sldSz cx="12192000" cy="6858000"/>
   <p:notesSz cx="6858000" cy="9144000"/>
@@ -3696,6 +3700,30 @@
 <file path=ppt/slides/slide10.xml><?xml version="1.0" encoding="utf-8"?>
 <p:sld xmlns:a="http://schemas.openxmlformats.org/drawingml/2006/main" xmlns:r="http://schemas.openxmlformats.org/officeDocument/2006/relationships" xmlns:p="http://schemas.openxmlformats.org/presentationml/2006/main">
   <p:cSld>
+    <p:bg>
+      <p:bgPr>
+        <a:gradFill rotWithShape="1">
+          <a:gsLst>
+            <a:gs pos="0">
+              <a:schemeClr val="bg2">
+                <a:tint val="94000"/>
+                <a:satMod val="80000"/>
+                <a:lumMod val="106000"/>
+              </a:schemeClr>
+            </a:gs>
+            <a:gs pos="100000">
+              <a:schemeClr val="bg2">
+                <a:shade val="80000"/>
+              </a:schemeClr>
+            </a:gs>
+          </a:gsLst>
+          <a:path path="circle">
+            <a:fillToRect l="43000" r="43000" b="100000"/>
+          </a:path>
+        </a:gradFill>
+        <a:effectLst/>
+      </p:bgPr>
+    </p:bg>
     <p:spTree>
       <p:nvGrpSpPr>
         <p:cNvPr id="1" name=""/>
@@ -3715,7 +3743,7 @@
           <p:cNvPr id="2" name="Title 1">
             <a:extLst>
               <a:ext uri="{FF2B5EF4-FFF2-40B4-BE49-F238E27FC236}">
-                <a16:creationId xmlns:a16="http://schemas.microsoft.com/office/drawing/2014/main" id="{BC2F5FA7-B610-FD31-A4FD-3FE14C5951E4}"/>
+                <a16:creationId xmlns:a16="http://schemas.microsoft.com/office/drawing/2014/main" id="{AAF5C13D-B7FA-2EC7-9B3D-DF02CCFC0D3A}"/>
               </a:ext>
             </a:extLst>
           </p:cNvPr>
@@ -3726,29 +3754,77 @@
             <p:ph type="title"/>
           </p:nvPr>
         </p:nvSpPr>
-        <p:spPr/>
-        <p:txBody>
-          <a:bodyPr/>
-          <a:lstStyle/>
-          <a:p>
-            <a:r>
-              <a:rPr lang="en-US" dirty="0"/>
-              <a:t>Software Development </a:t>
-            </a:r>
-            <a:r>
-              <a:rPr lang="en-US" dirty="0" err="1"/>
-              <a:t>Skillz</a:t>
-            </a:r>
-            <a:endParaRPr lang="en-US" dirty="0"/>
-          </a:p>
-        </p:txBody>
-      </p:sp>
+        <p:spPr>
+          <a:xfrm>
+            <a:off x="1451579" y="804519"/>
+            <a:ext cx="9603275" cy="1049235"/>
+          </a:xfrm>
+        </p:spPr>
+        <p:txBody>
+          <a:bodyPr>
+            <a:normAutofit/>
+          </a:bodyPr>
+          <a:lstStyle/>
+          <a:p>
+            <a:r>
+              <a:rPr lang="en-US" dirty="0"/>
+              <a:t>In Data Science</a:t>
+            </a:r>
+          </a:p>
+        </p:txBody>
+      </p:sp>
+      <p:pic>
+        <p:nvPicPr>
+          <p:cNvPr id="2052" name="Picture 4" descr="What is a Data Pipeline? Definition, Types &amp; Use Cases">
+            <a:extLst>
+              <a:ext uri="{FF2B5EF4-FFF2-40B4-BE49-F238E27FC236}">
+                <a16:creationId xmlns:a16="http://schemas.microsoft.com/office/drawing/2014/main" id="{0F0245C4-9C08-F480-EDA8-51F517F4CF0B}"/>
+              </a:ext>
+            </a:extLst>
+          </p:cNvPr>
+          <p:cNvPicPr>
+            <a:picLocks noChangeAspect="1" noChangeArrowheads="1"/>
+          </p:cNvPicPr>
+          <p:nvPr/>
+        </p:nvPicPr>
+        <p:blipFill>
+          <a:blip r:embed="rId2">
+            <a:extLst>
+              <a:ext uri="{28A0092B-C50C-407E-A947-70E740481C1C}">
+                <a14:useLocalDpi xmlns:a14="http://schemas.microsoft.com/office/drawing/2010/main" val="0"/>
+              </a:ext>
+            </a:extLst>
+          </a:blip>
+          <a:stretch>
+            <a:fillRect/>
+          </a:stretch>
+        </p:blipFill>
+        <p:spPr bwMode="auto">
+          <a:xfrm>
+            <a:off x="0" y="1746794"/>
+            <a:ext cx="6292546" cy="4436245"/>
+          </a:xfrm>
+          <a:prstGeom prst="rect">
+            <a:avLst/>
+          </a:prstGeom>
+          <a:noFill/>
+          <a:extLst>
+            <a:ext uri="{909E8E84-426E-40DD-AFC4-6F175D3DCCD1}">
+              <a14:hiddenFill xmlns:a14="http://schemas.microsoft.com/office/drawing/2010/main">
+                <a:solidFill>
+                  <a:srgbClr val="FFFFFF"/>
+                </a:solidFill>
+              </a14:hiddenFill>
+            </a:ext>
+          </a:extLst>
+        </p:spPr>
+      </p:pic>
       <p:sp>
         <p:nvSpPr>
           <p:cNvPr id="3" name="Content Placeholder 2">
             <a:extLst>
               <a:ext uri="{FF2B5EF4-FFF2-40B4-BE49-F238E27FC236}">
-                <a16:creationId xmlns:a16="http://schemas.microsoft.com/office/drawing/2014/main" id="{82A49D61-604A-7829-0B2C-62DA6EEA370D}"/>
+                <a16:creationId xmlns:a16="http://schemas.microsoft.com/office/drawing/2014/main" id="{05D46B3A-7204-4DCE-12F6-21C1BD8C5624}"/>
               </a:ext>
             </a:extLst>
           </p:cNvPr>
@@ -3761,85 +3837,57 @@
         </p:nvSpPr>
         <p:spPr>
           <a:xfrm>
-            <a:off x="1451579" y="2015732"/>
-            <a:ext cx="9603275" cy="4037749"/>
+            <a:off x="6292546" y="1853754"/>
+            <a:ext cx="5899454" cy="4199727"/>
           </a:xfrm>
         </p:spPr>
         <p:txBody>
-          <a:bodyPr/>
-          <a:lstStyle/>
-          <a:p>
-            <a:r>
-              <a:rPr lang="en-US" dirty="0"/>
-              <a:t>Rigid software engineering processes are rarely required in data science work. </a:t>
+          <a:bodyPr>
+            <a:normAutofit lnSpcReduction="10000"/>
+          </a:bodyPr>
+          <a:lstStyle/>
+          <a:p>
+            <a:r>
+              <a:rPr lang="en-US" sz="2400" dirty="0"/>
+              <a:t>In data science, this translates well to one of the main “code heavy” parts – data pipelines:</a:t>
             </a:r>
           </a:p>
           <a:p>
             <a:pPr lvl="1"/>
             <a:r>
-              <a:rPr lang="en-US" dirty="0"/>
-              <a:t>Many things are exploratory and experimental, with most work never reaching production. </a:t>
+              <a:rPr lang="en-US" sz="2000" dirty="0"/>
+              <a:t>We know the starting point – what the incoming data looks like. </a:t>
             </a:r>
           </a:p>
           <a:p>
             <a:pPr lvl="1"/>
             <a:r>
-              <a:rPr lang="en-US" dirty="0"/>
-              <a:t>Development teams for making models aren’t usually large. </a:t>
-            </a:r>
-          </a:p>
-          <a:p>
-            <a:r>
-              <a:rPr lang="en-US" dirty="0"/>
-              <a:t>Agile development management concepts do translate well and are helpful (</a:t>
-            </a:r>
-            <a:r>
-              <a:rPr lang="en-US" dirty="0" err="1"/>
-              <a:t>imho</a:t>
-            </a:r>
-            <a:r>
-              <a:rPr lang="en-US" dirty="0"/>
-              <a:t>). </a:t>
+              <a:rPr lang="en-US" sz="2000" dirty="0"/>
+              <a:t>We know the end result – the format we want/need our data in. </a:t>
             </a:r>
           </a:p>
           <a:p>
             <a:pPr lvl="1"/>
             <a:r>
-              <a:rPr lang="en-US" dirty="0"/>
-              <a:t>Using classes and functions for each distinct piece of functionality. </a:t>
-            </a:r>
-          </a:p>
-          <a:p>
-            <a:pPr lvl="1"/>
-            <a:r>
-              <a:rPr lang="en-US" dirty="0"/>
-              <a:t>Defining success (test cases) for each function, even if we can’t/don’t define passing fully. </a:t>
-            </a:r>
-          </a:p>
-          <a:p>
-            <a:pPr lvl="1"/>
-            <a:r>
-              <a:rPr lang="en-US" dirty="0"/>
-              <a:t>Focusing on making a working solution at all times. </a:t>
-            </a:r>
-          </a:p>
-          <a:p>
-            <a:pPr lvl="1"/>
-            <a:r>
-              <a:rPr lang="en-US" dirty="0"/>
-              <a:t>Improve code to be better as improvements emerge. </a:t>
-            </a:r>
-          </a:p>
-          <a:p>
-            <a:pPr lvl="1"/>
-            <a:endParaRPr lang="en-US" dirty="0"/>
+              <a:rPr lang="en-US" sz="2000" dirty="0"/>
+              <a:t>As long as we connect the two, we are successful. </a:t>
+            </a:r>
+          </a:p>
+          <a:p>
+            <a:r>
+              <a:rPr lang="en-US" sz="2200" dirty="0"/>
+              <a:t>Tests of output format can be defined. </a:t>
+            </a:r>
+          </a:p>
+          <a:p>
+            <a:endParaRPr lang="en-US" sz="2400" dirty="0"/>
           </a:p>
         </p:txBody>
       </p:sp>
     </p:spTree>
     <p:extLst>
       <p:ext uri="{BB962C8B-B14F-4D97-AF65-F5344CB8AC3E}">
-        <p14:creationId xmlns:p14="http://schemas.microsoft.com/office/powerpoint/2010/main" val="1774311959"/>
+        <p14:creationId xmlns:p14="http://schemas.microsoft.com/office/powerpoint/2010/main" val="9918524"/>
       </p:ext>
     </p:extLst>
   </p:cSld>
@@ -3871,7 +3919,7 @@
           <p:cNvPr id="2" name="Title 1">
             <a:extLst>
               <a:ext uri="{FF2B5EF4-FFF2-40B4-BE49-F238E27FC236}">
-                <a16:creationId xmlns:a16="http://schemas.microsoft.com/office/drawing/2014/main" id="{D8BD177E-3C3D-4635-7875-85F4D9C9B0B5}"/>
+                <a16:creationId xmlns:a16="http://schemas.microsoft.com/office/drawing/2014/main" id="{9604A9F3-69B9-54C4-36AD-4A430969DA6A}"/>
               </a:ext>
             </a:extLst>
           </p:cNvPr>
@@ -3889,7 +3937,7 @@
           <a:p>
             <a:r>
               <a:rPr lang="en-US" dirty="0"/>
-              <a:t>Build some more Poker</a:t>
+              <a:t>Make it better - Refactoring</a:t>
             </a:r>
           </a:p>
         </p:txBody>
@@ -3899,7 +3947,7 @@
           <p:cNvPr id="3" name="Content Placeholder 2">
             <a:extLst>
               <a:ext uri="{FF2B5EF4-FFF2-40B4-BE49-F238E27FC236}">
-                <a16:creationId xmlns:a16="http://schemas.microsoft.com/office/drawing/2014/main" id="{A14F8F69-E5E8-F8E0-F310-050D1D910A15}"/>
+                <a16:creationId xmlns:a16="http://schemas.microsoft.com/office/drawing/2014/main" id="{3AAFD10F-645F-62FC-F8E7-4CDB267D7385}"/>
               </a:ext>
             </a:extLst>
           </p:cNvPr>
@@ -3912,86 +3960,71 @@
         </p:nvSpPr>
         <p:spPr>
           <a:xfrm>
-            <a:off x="1345325" y="1853754"/>
-            <a:ext cx="9858704" cy="4199727"/>
+            <a:off x="1451579" y="1853754"/>
+            <a:ext cx="9603275" cy="4199727"/>
           </a:xfrm>
         </p:spPr>
         <p:txBody>
-          <a:bodyPr>
-            <a:normAutofit lnSpcReduction="10000"/>
-          </a:bodyPr>
-          <a:lstStyle/>
-          <a:p>
-            <a:r>
-              <a:rPr lang="en-US" dirty="0"/>
-              <a:t>We are almost ready to fulfill our inner gambling addiction via Python!!</a:t>
-            </a:r>
-          </a:p>
-          <a:p>
-            <a:r>
-              <a:rPr lang="en-US" dirty="0"/>
-              <a:t>We can add a couple of classes to our program, a player and a game. </a:t>
+          <a:bodyPr/>
+          <a:lstStyle/>
+          <a:p>
+            <a:r>
+              <a:rPr lang="en-US" dirty="0"/>
+              <a:t>Refactoring is the process of changing code so that it works the same on the outside, but is ‘better’ on the inside. </a:t>
             </a:r>
           </a:p>
           <a:p>
             <a:pPr lvl="1"/>
             <a:r>
               <a:rPr lang="en-US" dirty="0"/>
-              <a:t>We focus on some unit tests for our player. </a:t>
+              <a:t>Better means more readable, easier to debug, or more organized. </a:t>
             </a:r>
           </a:p>
           <a:p>
             <a:pPr lvl="1"/>
             <a:r>
               <a:rPr lang="en-US" dirty="0"/>
-              <a:t>We can focus on some integration, and eventually end-to-end, for the game. </a:t>
-            </a:r>
-          </a:p>
-          <a:p>
-            <a:r>
-              <a:rPr lang="en-US" dirty="0"/>
-              <a:t>For the player:</a:t>
+              <a:t>Think agile – make it work, then make it better. Working is better than elegant. </a:t>
             </a:r>
           </a:p>
           <a:p>
             <a:pPr lvl="1"/>
             <a:r>
               <a:rPr lang="en-US" dirty="0"/>
-              <a:t>What are the specific things that a player needs to do, how do we test that?</a:t>
-            </a:r>
-          </a:p>
-          <a:p>
-            <a:r>
-              <a:rPr lang="en-US" dirty="0"/>
-              <a:t>For the game:</a:t>
+              <a:t>Data science coding is largely exploratory, we can build an ok solution and improve. </a:t>
+            </a:r>
+          </a:p>
+          <a:p>
+            <a:r>
+              <a:rPr lang="en-US" dirty="0"/>
+              <a:t>We want to refactor working and tested code, after we are confident it is good. </a:t>
+            </a:r>
+          </a:p>
+          <a:p>
+            <a:r>
+              <a:rPr lang="en-US" dirty="0"/>
+              <a:t>When doing object-oriented development:</a:t>
             </a:r>
           </a:p>
           <a:p>
             <a:pPr lvl="1"/>
             <a:r>
               <a:rPr lang="en-US" dirty="0"/>
-              <a:t>What are the specific things that the game needs to do, how do we test that?</a:t>
+              <a:t>Where something “lives” – certain attributes or methods might be better in another class. </a:t>
             </a:r>
           </a:p>
           <a:p>
             <a:pPr lvl="1"/>
             <a:r>
               <a:rPr lang="en-US" dirty="0"/>
-              <a:t>For </a:t>
-            </a:r>
-            <a:r>
-              <a:rPr lang="en-US"/>
-              <a:t>integration testing, what </a:t>
-            </a:r>
-            <a:r>
-              <a:rPr lang="en-US" dirty="0"/>
-              <a:t>are the outcomes of larger processes, how do we test that?</a:t>
-            </a:r>
-          </a:p>
-          <a:p>
-            <a:r>
-              <a:rPr lang="en-US" dirty="0"/>
-              <a:t>The ideal is to test everything, but we don’t need that for it it be useful. (Try, then improve).</a:t>
+              <a:t>Some methods may be made static or not static. </a:t>
+            </a:r>
+          </a:p>
+          <a:p>
+            <a:pPr lvl="1"/>
+            <a:r>
+              <a:rPr lang="en-US" dirty="0"/>
+              <a:t>Inheritance relationships may be different from what you initially thought. </a:t>
             </a:r>
           </a:p>
         </p:txBody>
@@ -3999,7 +4032,7 @@
     </p:spTree>
     <p:extLst>
       <p:ext uri="{BB962C8B-B14F-4D97-AF65-F5344CB8AC3E}">
-        <p14:creationId xmlns:p14="http://schemas.microsoft.com/office/powerpoint/2010/main" val="777037938"/>
+        <p14:creationId xmlns:p14="http://schemas.microsoft.com/office/powerpoint/2010/main" val="2601325325"/>
       </p:ext>
     </p:extLst>
   </p:cSld>
@@ -4009,7 +4042,7 @@
 </p:sld>
 </file>
 
-<file path=ppt/slides/slide2.xml><?xml version="1.0" encoding="utf-8"?>
+<file path=ppt/slides/slide12.xml><?xml version="1.0" encoding="utf-8"?>
 <p:sld xmlns:a="http://schemas.openxmlformats.org/drawingml/2006/main" xmlns:r="http://schemas.openxmlformats.org/officeDocument/2006/relationships" xmlns:p="http://schemas.openxmlformats.org/presentationml/2006/main">
   <p:cSld>
     <p:spTree>
@@ -4031,7 +4064,7 @@
           <p:cNvPr id="2" name="Title 1">
             <a:extLst>
               <a:ext uri="{FF2B5EF4-FFF2-40B4-BE49-F238E27FC236}">
-                <a16:creationId xmlns:a16="http://schemas.microsoft.com/office/drawing/2014/main" id="{CA2A7424-7C88-763B-EE5E-1EBDF966BD09}"/>
+                <a16:creationId xmlns:a16="http://schemas.microsoft.com/office/drawing/2014/main" id="{AD3FC3DD-AE43-7463-F0A9-C9395BFED41C}"/>
               </a:ext>
             </a:extLst>
           </p:cNvPr>
@@ -4047,10 +4080,7 @@
           <a:bodyPr/>
           <a:lstStyle/>
           <a:p>
-            <a:r>
-              <a:rPr lang="en-US" dirty="0"/>
-              <a:t>Testing</a:t>
-            </a:r>
+            <a:endParaRPr lang="en-US"/>
           </a:p>
         </p:txBody>
       </p:sp>
@@ -4059,7 +4089,7 @@
           <p:cNvPr id="3" name="Content Placeholder 2">
             <a:extLst>
               <a:ext uri="{FF2B5EF4-FFF2-40B4-BE49-F238E27FC236}">
-                <a16:creationId xmlns:a16="http://schemas.microsoft.com/office/drawing/2014/main" id="{3D0CAF36-6528-956E-F784-9D09A2C91E7F}"/>
+                <a16:creationId xmlns:a16="http://schemas.microsoft.com/office/drawing/2014/main" id="{77F70295-56F7-AC27-B839-B806FA0BAFD4}"/>
               </a:ext>
             </a:extLst>
           </p:cNvPr>
@@ -4075,17 +4105,61 @@
           <a:bodyPr/>
           <a:lstStyle/>
           <a:p>
-            <a:r>
-              <a:rPr lang="en-US" dirty="0"/>
-              <a:t>Testing code is generally good. </a:t>
-            </a:r>
-          </a:p>
-        </p:txBody>
-      </p:sp>
+            <a:endParaRPr lang="en-US"/>
+          </a:p>
+        </p:txBody>
+      </p:sp>
+      <p:pic>
+        <p:nvPicPr>
+          <p:cNvPr id="7170" name="Picture 2" descr="How to Refactor Code in Python: A Beginner's Guide - HubPages">
+            <a:extLst>
+              <a:ext uri="{FF2B5EF4-FFF2-40B4-BE49-F238E27FC236}">
+                <a16:creationId xmlns:a16="http://schemas.microsoft.com/office/drawing/2014/main" id="{25523B51-02BD-69BF-07FF-9BE9694FD3FB}"/>
+              </a:ext>
+            </a:extLst>
+          </p:cNvPr>
+          <p:cNvPicPr>
+            <a:picLocks noChangeAspect="1" noChangeArrowheads="1"/>
+          </p:cNvPicPr>
+          <p:nvPr/>
+        </p:nvPicPr>
+        <p:blipFill>
+          <a:blip r:embed="rId2">
+            <a:extLst>
+              <a:ext uri="{28A0092B-C50C-407E-A947-70E740481C1C}">
+                <a14:useLocalDpi xmlns:a14="http://schemas.microsoft.com/office/drawing/2010/main" val="0"/>
+              </a:ext>
+            </a:extLst>
+          </a:blip>
+          <a:srcRect/>
+          <a:stretch>
+            <a:fillRect/>
+          </a:stretch>
+        </p:blipFill>
+        <p:spPr bwMode="auto">
+          <a:xfrm>
+            <a:off x="1519238" y="0"/>
+            <a:ext cx="9153525" cy="6858000"/>
+          </a:xfrm>
+          <a:prstGeom prst="rect">
+            <a:avLst/>
+          </a:prstGeom>
+          <a:noFill/>
+          <a:extLst>
+            <a:ext uri="{909E8E84-426E-40DD-AFC4-6F175D3DCCD1}">
+              <a14:hiddenFill xmlns:a14="http://schemas.microsoft.com/office/drawing/2010/main">
+                <a:solidFill>
+                  <a:srgbClr val="FFFFFF"/>
+                </a:solidFill>
+              </a14:hiddenFill>
+            </a:ext>
+          </a:extLst>
+        </p:spPr>
+      </p:pic>
     </p:spTree>
     <p:extLst>
       <p:ext uri="{BB962C8B-B14F-4D97-AF65-F5344CB8AC3E}">
-        <p14:creationId xmlns:p14="http://schemas.microsoft.com/office/powerpoint/2010/main" val="230377174"/>
+        <p14:creationId xmlns:p14="http://schemas.microsoft.com/office/powerpoint/2010/main" val="265961289"/>
       </p:ext>
     </p:extLst>
   </p:cSld>
@@ -4095,7 +4169,7 @@
 </p:sld>
 </file>
 
-<file path=ppt/slides/slide3.xml><?xml version="1.0" encoding="utf-8"?>
+<file path=ppt/slides/slide13.xml><?xml version="1.0" encoding="utf-8"?>
 <p:sld xmlns:a="http://schemas.openxmlformats.org/drawingml/2006/main" xmlns:r="http://schemas.openxmlformats.org/officeDocument/2006/relationships" xmlns:p="http://schemas.openxmlformats.org/presentationml/2006/main">
   <p:cSld>
     <p:bg>
@@ -4141,7 +4215,7 @@
           <p:cNvPr id="2" name="Title 1">
             <a:extLst>
               <a:ext uri="{FF2B5EF4-FFF2-40B4-BE49-F238E27FC236}">
-                <a16:creationId xmlns:a16="http://schemas.microsoft.com/office/drawing/2014/main" id="{01A00F05-38F8-00CC-18CA-722A4D309C2D}"/>
+                <a16:creationId xmlns:a16="http://schemas.microsoft.com/office/drawing/2014/main" id="{C94F8723-7774-1F0D-3E13-64D2C754ECCF}"/>
               </a:ext>
             </a:extLst>
           </p:cNvPr>
@@ -4166,7 +4240,7 @@
           <a:p>
             <a:r>
               <a:rPr lang="en-US" dirty="0"/>
-              <a:t>Test Types</a:t>
+              <a:t>Test Driven Refactoring</a:t>
             </a:r>
           </a:p>
         </p:txBody>
@@ -4176,7 +4250,7 @@
           <p:cNvPr id="3" name="Content Placeholder 2">
             <a:extLst>
               <a:ext uri="{FF2B5EF4-FFF2-40B4-BE49-F238E27FC236}">
-                <a16:creationId xmlns:a16="http://schemas.microsoft.com/office/drawing/2014/main" id="{F765E927-74D4-6A5F-110E-5ED74DF1EB49}"/>
+                <a16:creationId xmlns:a16="http://schemas.microsoft.com/office/drawing/2014/main" id="{F3395F8D-976F-542E-5AC9-BD5570125DFC}"/>
               </a:ext>
             </a:extLst>
           </p:cNvPr>
@@ -4189,8 +4263,8 @@
         </p:nvSpPr>
         <p:spPr>
           <a:xfrm>
-            <a:off x="220717" y="1853753"/>
-            <a:ext cx="6261813" cy="4199727"/>
+            <a:off x="107092" y="2015734"/>
+            <a:ext cx="6268994" cy="4037747"/>
           </a:xfrm>
         </p:spPr>
         <p:txBody>
@@ -4201,64 +4275,50 @@
           <a:p>
             <a:r>
               <a:rPr lang="en-US" dirty="0"/>
-              <a:t>We can split testing into several types. </a:t>
+              <a:t>Test-driven development fits well with refactoring. </a:t>
             </a:r>
           </a:p>
           <a:p>
             <a:pPr lvl="1"/>
             <a:r>
               <a:rPr lang="en-US" dirty="0"/>
-              <a:t>Unit testing is testing one ‘thing’, like a function. </a:t>
+              <a:t>Better if code is encapsulated into classes and functions.</a:t>
+            </a:r>
+          </a:p>
+          <a:p>
+            <a:r>
+              <a:rPr lang="en-US" dirty="0"/>
+              <a:t>We can constantly rerun our tests as we change things in refactoring. </a:t>
             </a:r>
           </a:p>
           <a:p>
             <a:pPr lvl="1"/>
             <a:r>
               <a:rPr lang="en-US" dirty="0"/>
-              <a:t>Integration testing test a subprocess, a set of functions, or some part of a larger system.  </a:t>
+              <a:t>Lowers the “risk” of refactoring, as it’s easy to know things still work. </a:t>
             </a:r>
           </a:p>
           <a:p>
             <a:pPr lvl="1"/>
             <a:r>
               <a:rPr lang="en-US" dirty="0"/>
-              <a:t>End-to-end tests an entire system, beginning to end. </a:t>
-            </a:r>
-          </a:p>
-          <a:p>
-            <a:r>
-              <a:rPr lang="en-US" dirty="0"/>
-              <a:t>Time and complexity can get extreme in some cases. </a:t>
-            </a:r>
-          </a:p>
-          <a:p>
-            <a:pPr lvl="1"/>
-            <a:r>
-              <a:rPr lang="en-US" dirty="0"/>
-              <a:t>An end-to-end test of large data pipelines or a full program may take a long time and/or cost lots of money. </a:t>
-            </a:r>
-          </a:p>
-          <a:p>
-            <a:r>
-              <a:rPr lang="en-US" dirty="0"/>
-              <a:t>Organized code can push testing down the pyramid. </a:t>
-            </a:r>
-          </a:p>
-          <a:p>
-            <a:pPr lvl="1"/>
-            <a:r>
-              <a:rPr lang="en-US" dirty="0"/>
-              <a:t>Functions can be tested separately, walls of code can’t. </a:t>
+              <a:t>Note: for things with large datasets, it is probably good to take a sample for frequent tests. </a:t>
+            </a:r>
+          </a:p>
+          <a:p>
+            <a:r>
+              <a:rPr lang="en-US" dirty="0"/>
+              <a:t>Also works with Agile ideas – constantly working code that is constantly improving. </a:t>
             </a:r>
           </a:p>
         </p:txBody>
       </p:sp>
       <p:pic>
         <p:nvPicPr>
-          <p:cNvPr id="3074" name="Picture 2" descr="Unit vs Integration vs E2E Tests - DEV Community">
+          <p:cNvPr id="4098" name="Picture 2" descr="Introduction to TDD &amp; BDD | Cucumber Blog">
             <a:extLst>
               <a:ext uri="{FF2B5EF4-FFF2-40B4-BE49-F238E27FC236}">
-                <a16:creationId xmlns:a16="http://schemas.microsoft.com/office/drawing/2014/main" id="{D1723CA0-E288-6FE1-09DA-6A0852EB856C}"/>
+                <a16:creationId xmlns:a16="http://schemas.microsoft.com/office/drawing/2014/main" id="{E51D52A6-9826-80DF-33B9-B60DE70CD01E}"/>
               </a:ext>
             </a:extLst>
           </p:cNvPr>
@@ -4275,13 +4335,13 @@
               </a:ext>
             </a:extLst>
           </a:blip>
-          <a:srcRect l="7173" r="3647"/>
+          <a:srcRect l="17368" t="8230" r="14414" b="18001"/>
           <a:stretch/>
         </p:blipFill>
         <p:spPr bwMode="auto">
           <a:xfrm>
-            <a:off x="6601979" y="1934743"/>
-            <a:ext cx="5590021" cy="4199727"/>
+            <a:off x="6376086" y="2015734"/>
+            <a:ext cx="5708822" cy="4629990"/>
           </a:xfrm>
           <a:prstGeom prst="rect">
             <a:avLst/>
@@ -4301,7 +4361,577 @@
     </p:spTree>
     <p:extLst>
       <p:ext uri="{BB962C8B-B14F-4D97-AF65-F5344CB8AC3E}">
-        <p14:creationId xmlns:p14="http://schemas.microsoft.com/office/powerpoint/2010/main" val="226297067"/>
+        <p14:creationId xmlns:p14="http://schemas.microsoft.com/office/powerpoint/2010/main" val="2813024453"/>
+      </p:ext>
+    </p:extLst>
+  </p:cSld>
+  <p:clrMapOvr>
+    <a:masterClrMapping/>
+  </p:clrMapOvr>
+</p:sld>
+</file>
+
+<file path=ppt/slides/slide14.xml><?xml version="1.0" encoding="utf-8"?>
+<p:sld xmlns:a="http://schemas.openxmlformats.org/drawingml/2006/main" xmlns:r="http://schemas.openxmlformats.org/officeDocument/2006/relationships" xmlns:p="http://schemas.openxmlformats.org/presentationml/2006/main">
+  <p:cSld>
+    <p:spTree>
+      <p:nvGrpSpPr>
+        <p:cNvPr id="1" name=""/>
+        <p:cNvGrpSpPr/>
+        <p:nvPr/>
+      </p:nvGrpSpPr>
+      <p:grpSpPr>
+        <a:xfrm>
+          <a:off x="0" y="0"/>
+          <a:ext cx="0" cy="0"/>
+          <a:chOff x="0" y="0"/>
+          <a:chExt cx="0" cy="0"/>
+        </a:xfrm>
+      </p:grpSpPr>
+      <p:sp>
+        <p:nvSpPr>
+          <p:cNvPr id="2" name="Title 1">
+            <a:extLst>
+              <a:ext uri="{FF2B5EF4-FFF2-40B4-BE49-F238E27FC236}">
+                <a16:creationId xmlns:a16="http://schemas.microsoft.com/office/drawing/2014/main" id="{BC2F5FA7-B610-FD31-A4FD-3FE14C5951E4}"/>
+              </a:ext>
+            </a:extLst>
+          </p:cNvPr>
+          <p:cNvSpPr>
+            <a:spLocks noGrp="1"/>
+          </p:cNvSpPr>
+          <p:nvPr>
+            <p:ph type="title"/>
+          </p:nvPr>
+        </p:nvSpPr>
+        <p:spPr/>
+        <p:txBody>
+          <a:bodyPr/>
+          <a:lstStyle/>
+          <a:p>
+            <a:r>
+              <a:rPr lang="en-US" dirty="0"/>
+              <a:t>Software Development </a:t>
+            </a:r>
+            <a:r>
+              <a:rPr lang="en-US" dirty="0" err="1"/>
+              <a:t>Skillz</a:t>
+            </a:r>
+            <a:endParaRPr lang="en-US" dirty="0"/>
+          </a:p>
+        </p:txBody>
+      </p:sp>
+      <p:sp>
+        <p:nvSpPr>
+          <p:cNvPr id="3" name="Content Placeholder 2">
+            <a:extLst>
+              <a:ext uri="{FF2B5EF4-FFF2-40B4-BE49-F238E27FC236}">
+                <a16:creationId xmlns:a16="http://schemas.microsoft.com/office/drawing/2014/main" id="{82A49D61-604A-7829-0B2C-62DA6EEA370D}"/>
+              </a:ext>
+            </a:extLst>
+          </p:cNvPr>
+          <p:cNvSpPr>
+            <a:spLocks noGrp="1"/>
+          </p:cNvSpPr>
+          <p:nvPr>
+            <p:ph idx="1"/>
+          </p:nvPr>
+        </p:nvSpPr>
+        <p:spPr>
+          <a:xfrm>
+            <a:off x="1451579" y="1853754"/>
+            <a:ext cx="9603275" cy="4199727"/>
+          </a:xfrm>
+        </p:spPr>
+        <p:txBody>
+          <a:bodyPr/>
+          <a:lstStyle/>
+          <a:p>
+            <a:r>
+              <a:rPr lang="en-US" dirty="0"/>
+              <a:t>Rigid software engineering processes are rarely required in data science work. </a:t>
+            </a:r>
+          </a:p>
+          <a:p>
+            <a:pPr lvl="1"/>
+            <a:r>
+              <a:rPr lang="en-US" dirty="0"/>
+              <a:t>Many things are exploratory and experimental, with most work never reaching production. </a:t>
+            </a:r>
+          </a:p>
+          <a:p>
+            <a:pPr lvl="1"/>
+            <a:r>
+              <a:rPr lang="en-US" dirty="0"/>
+              <a:t>Development teams for making models aren’t usually large. </a:t>
+            </a:r>
+          </a:p>
+          <a:p>
+            <a:r>
+              <a:rPr lang="en-US" dirty="0"/>
+              <a:t>Agile development management concepts do translate well and are helpful (</a:t>
+            </a:r>
+            <a:r>
+              <a:rPr lang="en-US" dirty="0" err="1"/>
+              <a:t>imho</a:t>
+            </a:r>
+            <a:r>
+              <a:rPr lang="en-US" dirty="0"/>
+              <a:t>). </a:t>
+            </a:r>
+          </a:p>
+          <a:p>
+            <a:pPr lvl="1"/>
+            <a:r>
+              <a:rPr lang="en-US" dirty="0"/>
+              <a:t>Using classes and functions for each distinct piece of functionality. </a:t>
+            </a:r>
+          </a:p>
+          <a:p>
+            <a:pPr lvl="1"/>
+            <a:r>
+              <a:rPr lang="en-US" dirty="0"/>
+              <a:t>Defining success (test cases) for each function, even if we can’t/don’t define passing fully. </a:t>
+            </a:r>
+          </a:p>
+          <a:p>
+            <a:pPr lvl="1"/>
+            <a:r>
+              <a:rPr lang="en-US" dirty="0"/>
+              <a:t>Focusing on making a working solution at all times. </a:t>
+            </a:r>
+          </a:p>
+          <a:p>
+            <a:pPr lvl="1"/>
+            <a:r>
+              <a:rPr lang="en-US" dirty="0"/>
+              <a:t>Improve code to be better as improvements emerge. </a:t>
+            </a:r>
+          </a:p>
+          <a:p>
+            <a:r>
+              <a:rPr lang="en-US" dirty="0"/>
+              <a:t>Test driven development relies on being able to write good tests, which might not be possible in all cases. </a:t>
+            </a:r>
+          </a:p>
+          <a:p>
+            <a:pPr lvl="1"/>
+            <a:endParaRPr lang="en-US" dirty="0"/>
+          </a:p>
+        </p:txBody>
+      </p:sp>
+    </p:spTree>
+    <p:extLst>
+      <p:ext uri="{BB962C8B-B14F-4D97-AF65-F5344CB8AC3E}">
+        <p14:creationId xmlns:p14="http://schemas.microsoft.com/office/powerpoint/2010/main" val="1774311959"/>
+      </p:ext>
+    </p:extLst>
+  </p:cSld>
+  <p:clrMapOvr>
+    <a:masterClrMapping/>
+  </p:clrMapOvr>
+</p:sld>
+</file>
+
+<file path=ppt/slides/slide15.xml><?xml version="1.0" encoding="utf-8"?>
+<p:sld xmlns:a="http://schemas.openxmlformats.org/drawingml/2006/main" xmlns:r="http://schemas.openxmlformats.org/officeDocument/2006/relationships" xmlns:p="http://schemas.openxmlformats.org/presentationml/2006/main">
+  <p:cSld>
+    <p:spTree>
+      <p:nvGrpSpPr>
+        <p:cNvPr id="1" name=""/>
+        <p:cNvGrpSpPr/>
+        <p:nvPr/>
+      </p:nvGrpSpPr>
+      <p:grpSpPr>
+        <a:xfrm>
+          <a:off x="0" y="0"/>
+          <a:ext cx="0" cy="0"/>
+          <a:chOff x="0" y="0"/>
+          <a:chExt cx="0" cy="0"/>
+        </a:xfrm>
+      </p:grpSpPr>
+      <p:sp>
+        <p:nvSpPr>
+          <p:cNvPr id="2" name="Title 1">
+            <a:extLst>
+              <a:ext uri="{FF2B5EF4-FFF2-40B4-BE49-F238E27FC236}">
+                <a16:creationId xmlns:a16="http://schemas.microsoft.com/office/drawing/2014/main" id="{D8BD177E-3C3D-4635-7875-85F4D9C9B0B5}"/>
+              </a:ext>
+            </a:extLst>
+          </p:cNvPr>
+          <p:cNvSpPr>
+            <a:spLocks noGrp="1"/>
+          </p:cNvSpPr>
+          <p:nvPr>
+            <p:ph type="title"/>
+          </p:nvPr>
+        </p:nvSpPr>
+        <p:spPr/>
+        <p:txBody>
+          <a:bodyPr/>
+          <a:lstStyle/>
+          <a:p>
+            <a:r>
+              <a:rPr lang="en-US" dirty="0"/>
+              <a:t>Let’s Code - Build some more Poker</a:t>
+            </a:r>
+          </a:p>
+        </p:txBody>
+      </p:sp>
+      <p:sp>
+        <p:nvSpPr>
+          <p:cNvPr id="3" name="Content Placeholder 2">
+            <a:extLst>
+              <a:ext uri="{FF2B5EF4-FFF2-40B4-BE49-F238E27FC236}">
+                <a16:creationId xmlns:a16="http://schemas.microsoft.com/office/drawing/2014/main" id="{A14F8F69-E5E8-F8E0-F310-050D1D910A15}"/>
+              </a:ext>
+            </a:extLst>
+          </p:cNvPr>
+          <p:cNvSpPr>
+            <a:spLocks noGrp="1"/>
+          </p:cNvSpPr>
+          <p:nvPr>
+            <p:ph idx="1"/>
+          </p:nvPr>
+        </p:nvSpPr>
+        <p:spPr>
+          <a:xfrm>
+            <a:off x="1345325" y="1853754"/>
+            <a:ext cx="9858704" cy="4199727"/>
+          </a:xfrm>
+        </p:spPr>
+        <p:txBody>
+          <a:bodyPr>
+            <a:normAutofit lnSpcReduction="10000"/>
+          </a:bodyPr>
+          <a:lstStyle/>
+          <a:p>
+            <a:r>
+              <a:rPr lang="en-US" dirty="0"/>
+              <a:t>We are almost ready to fulfill our inner gambling addiction via Python!!</a:t>
+            </a:r>
+          </a:p>
+          <a:p>
+            <a:r>
+              <a:rPr lang="en-US" dirty="0"/>
+              <a:t>We can add a couple of classes to our program, a player and a game. </a:t>
+            </a:r>
+          </a:p>
+          <a:p>
+            <a:pPr lvl="1"/>
+            <a:r>
+              <a:rPr lang="en-US" dirty="0"/>
+              <a:t>We focus on some unit tests for our player. </a:t>
+            </a:r>
+          </a:p>
+          <a:p>
+            <a:pPr lvl="1"/>
+            <a:r>
+              <a:rPr lang="en-US" dirty="0"/>
+              <a:t>We can focus on some integration, and eventually end-to-end, for the game. </a:t>
+            </a:r>
+          </a:p>
+          <a:p>
+            <a:r>
+              <a:rPr lang="en-US" dirty="0"/>
+              <a:t>For the player:</a:t>
+            </a:r>
+          </a:p>
+          <a:p>
+            <a:pPr lvl="1"/>
+            <a:r>
+              <a:rPr lang="en-US" dirty="0"/>
+              <a:t>What are the specific things that a player needs to do, how do we test that?</a:t>
+            </a:r>
+          </a:p>
+          <a:p>
+            <a:r>
+              <a:rPr lang="en-US" dirty="0"/>
+              <a:t>For the game:</a:t>
+            </a:r>
+          </a:p>
+          <a:p>
+            <a:pPr lvl="1"/>
+            <a:r>
+              <a:rPr lang="en-US" dirty="0"/>
+              <a:t>What are the specific things that the game needs to do, how do we test that?</a:t>
+            </a:r>
+          </a:p>
+          <a:p>
+            <a:pPr lvl="1"/>
+            <a:r>
+              <a:rPr lang="en-US" dirty="0"/>
+              <a:t>For integration testing, what are the outcomes of larger processes, how do we test that?</a:t>
+            </a:r>
+          </a:p>
+          <a:p>
+            <a:r>
+              <a:rPr lang="en-US" dirty="0"/>
+              <a:t>The ideal is to test everything, but we don’t need that for it it be useful. (Try, then improve).</a:t>
+            </a:r>
+          </a:p>
+        </p:txBody>
+      </p:sp>
+    </p:spTree>
+    <p:extLst>
+      <p:ext uri="{BB962C8B-B14F-4D97-AF65-F5344CB8AC3E}">
+        <p14:creationId xmlns:p14="http://schemas.microsoft.com/office/powerpoint/2010/main" val="777037938"/>
+      </p:ext>
+    </p:extLst>
+  </p:cSld>
+  <p:clrMapOvr>
+    <a:masterClrMapping/>
+  </p:clrMapOvr>
+</p:sld>
+</file>
+
+<file path=ppt/slides/slide2.xml><?xml version="1.0" encoding="utf-8"?>
+<p:sld xmlns:a="http://schemas.openxmlformats.org/drawingml/2006/main" xmlns:r="http://schemas.openxmlformats.org/officeDocument/2006/relationships" xmlns:p="http://schemas.openxmlformats.org/presentationml/2006/main">
+  <p:cSld>
+    <p:spTree>
+      <p:nvGrpSpPr>
+        <p:cNvPr id="1" name=""/>
+        <p:cNvGrpSpPr/>
+        <p:nvPr/>
+      </p:nvGrpSpPr>
+      <p:grpSpPr>
+        <a:xfrm>
+          <a:off x="0" y="0"/>
+          <a:ext cx="0" cy="0"/>
+          <a:chOff x="0" y="0"/>
+          <a:chExt cx="0" cy="0"/>
+        </a:xfrm>
+      </p:grpSpPr>
+      <p:sp>
+        <p:nvSpPr>
+          <p:cNvPr id="2" name="Title 1">
+            <a:extLst>
+              <a:ext uri="{FF2B5EF4-FFF2-40B4-BE49-F238E27FC236}">
+                <a16:creationId xmlns:a16="http://schemas.microsoft.com/office/drawing/2014/main" id="{26574B23-1BDB-8420-1BA4-10481C83A4E9}"/>
+              </a:ext>
+            </a:extLst>
+          </p:cNvPr>
+          <p:cNvSpPr>
+            <a:spLocks noGrp="1"/>
+          </p:cNvSpPr>
+          <p:nvPr>
+            <p:ph type="title"/>
+          </p:nvPr>
+        </p:nvSpPr>
+        <p:spPr/>
+        <p:txBody>
+          <a:bodyPr/>
+          <a:lstStyle/>
+          <a:p>
+            <a:r>
+              <a:rPr lang="en-US" dirty="0"/>
+              <a:t>Import our Code</a:t>
+            </a:r>
+          </a:p>
+        </p:txBody>
+      </p:sp>
+      <p:sp>
+        <p:nvSpPr>
+          <p:cNvPr id="3" name="Content Placeholder 2">
+            <a:extLst>
+              <a:ext uri="{FF2B5EF4-FFF2-40B4-BE49-F238E27FC236}">
+                <a16:creationId xmlns:a16="http://schemas.microsoft.com/office/drawing/2014/main" id="{C70D8072-329D-2BE5-DDC9-A4171F944DEA}"/>
+              </a:ext>
+            </a:extLst>
+          </p:cNvPr>
+          <p:cNvSpPr>
+            <a:spLocks noGrp="1"/>
+          </p:cNvSpPr>
+          <p:nvPr>
+            <p:ph idx="1"/>
+          </p:nvPr>
+        </p:nvSpPr>
+        <p:spPr>
+          <a:xfrm>
+            <a:off x="1137147" y="1853754"/>
+            <a:ext cx="10056370" cy="4199727"/>
+          </a:xfrm>
+        </p:spPr>
+        <p:txBody>
+          <a:bodyPr>
+            <a:normAutofit lnSpcReduction="10000"/>
+          </a:bodyPr>
+          <a:lstStyle/>
+          <a:p>
+            <a:r>
+              <a:rPr lang="en-US" dirty="0"/>
+              <a:t>Right now we have been inefficiently copy/pasting the game code into different files. </a:t>
+            </a:r>
+          </a:p>
+          <a:p>
+            <a:r>
+              <a:rPr lang="en-US" dirty="0"/>
+              <a:t>We can put all the classes for the game into a .</a:t>
+            </a:r>
+            <a:r>
+              <a:rPr lang="en-US" dirty="0" err="1"/>
+              <a:t>py</a:t>
+            </a:r>
+            <a:r>
+              <a:rPr lang="en-US" dirty="0"/>
+              <a:t> file and import that, as we do with standard libraries. </a:t>
+            </a:r>
+          </a:p>
+          <a:p>
+            <a:r>
+              <a:rPr lang="en-US" dirty="0"/>
+              <a:t>Importing things touches on the idea of a Namespace. </a:t>
+            </a:r>
+          </a:p>
+          <a:p>
+            <a:pPr lvl="1"/>
+            <a:r>
+              <a:rPr lang="en-US" dirty="0"/>
+              <a:t>Namespaces are basically the world of what exists inside the interpreter when code runs. </a:t>
+            </a:r>
+          </a:p>
+          <a:p>
+            <a:pPr lvl="1"/>
+            <a:r>
+              <a:rPr lang="en-US" dirty="0"/>
+              <a:t>When we import things we add new stuff to that namespace. </a:t>
+            </a:r>
+          </a:p>
+          <a:p>
+            <a:pPr lvl="1"/>
+            <a:r>
+              <a:rPr lang="en-US" dirty="0"/>
+              <a:t>We need to be attentive to what we are adding, so we can then grab and use it. </a:t>
+            </a:r>
+          </a:p>
+          <a:p>
+            <a:r>
+              <a:rPr lang="en-US" dirty="0"/>
+              <a:t>Import FILE -&gt; we import the FILE as the item of focus, and need to use dot notation to find parts inside that file. </a:t>
+            </a:r>
+          </a:p>
+          <a:p>
+            <a:r>
+              <a:rPr lang="en-US" dirty="0"/>
+              <a:t>From FILE import MODULE -&gt; we import the MODULE as the item of focus, so it “exists”. </a:t>
+            </a:r>
+          </a:p>
+        </p:txBody>
+      </p:sp>
+    </p:spTree>
+    <p:extLst>
+      <p:ext uri="{BB962C8B-B14F-4D97-AF65-F5344CB8AC3E}">
+        <p14:creationId xmlns:p14="http://schemas.microsoft.com/office/powerpoint/2010/main" val="3780028758"/>
+      </p:ext>
+    </p:extLst>
+  </p:cSld>
+  <p:clrMapOvr>
+    <a:masterClrMapping/>
+  </p:clrMapOvr>
+</p:sld>
+</file>
+
+<file path=ppt/slides/slide3.xml><?xml version="1.0" encoding="utf-8"?>
+<p:sld xmlns:a="http://schemas.openxmlformats.org/drawingml/2006/main" xmlns:r="http://schemas.openxmlformats.org/officeDocument/2006/relationships" xmlns:p="http://schemas.openxmlformats.org/presentationml/2006/main">
+  <p:cSld>
+    <p:spTree>
+      <p:nvGrpSpPr>
+        <p:cNvPr id="1" name=""/>
+        <p:cNvGrpSpPr/>
+        <p:nvPr/>
+      </p:nvGrpSpPr>
+      <p:grpSpPr>
+        <a:xfrm>
+          <a:off x="0" y="0"/>
+          <a:ext cx="0" cy="0"/>
+          <a:chOff x="0" y="0"/>
+          <a:chExt cx="0" cy="0"/>
+        </a:xfrm>
+      </p:grpSpPr>
+      <p:sp>
+        <p:nvSpPr>
+          <p:cNvPr id="2" name="Title 1">
+            <a:extLst>
+              <a:ext uri="{FF2B5EF4-FFF2-40B4-BE49-F238E27FC236}">
+                <a16:creationId xmlns:a16="http://schemas.microsoft.com/office/drawing/2014/main" id="{7EDAC943-6D5C-D69F-9ACB-80B5237BDF79}"/>
+              </a:ext>
+            </a:extLst>
+          </p:cNvPr>
+          <p:cNvSpPr>
+            <a:spLocks noGrp="1"/>
+          </p:cNvSpPr>
+          <p:nvPr>
+            <p:ph type="title"/>
+          </p:nvPr>
+        </p:nvSpPr>
+        <p:spPr/>
+        <p:txBody>
+          <a:bodyPr/>
+          <a:lstStyle/>
+          <a:p>
+            <a:endParaRPr lang="en-US"/>
+          </a:p>
+        </p:txBody>
+      </p:sp>
+      <p:sp>
+        <p:nvSpPr>
+          <p:cNvPr id="3" name="Content Placeholder 2">
+            <a:extLst>
+              <a:ext uri="{FF2B5EF4-FFF2-40B4-BE49-F238E27FC236}">
+                <a16:creationId xmlns:a16="http://schemas.microsoft.com/office/drawing/2014/main" id="{E93275AF-EE2C-6614-EC0A-E1B8F7815580}"/>
+              </a:ext>
+            </a:extLst>
+          </p:cNvPr>
+          <p:cNvSpPr>
+            <a:spLocks noGrp="1"/>
+          </p:cNvSpPr>
+          <p:nvPr>
+            <p:ph idx="1"/>
+          </p:nvPr>
+        </p:nvSpPr>
+        <p:spPr/>
+        <p:txBody>
+          <a:bodyPr/>
+          <a:lstStyle/>
+          <a:p>
+            <a:endParaRPr lang="en-US"/>
+          </a:p>
+        </p:txBody>
+      </p:sp>
+      <p:pic>
+        <p:nvPicPr>
+          <p:cNvPr id="4" name="Picture 3">
+            <a:extLst>
+              <a:ext uri="{FF2B5EF4-FFF2-40B4-BE49-F238E27FC236}">
+                <a16:creationId xmlns:a16="http://schemas.microsoft.com/office/drawing/2014/main" id="{62396E4D-2DA4-F33A-D8E0-1BCD3E8128B9}"/>
+              </a:ext>
+            </a:extLst>
+          </p:cNvPr>
+          <p:cNvPicPr>
+            <a:picLocks noChangeAspect="1"/>
+          </p:cNvPicPr>
+          <p:nvPr/>
+        </p:nvPicPr>
+        <p:blipFill>
+          <a:blip r:embed="rId2"/>
+          <a:stretch>
+            <a:fillRect/>
+          </a:stretch>
+        </p:blipFill>
+        <p:spPr>
+          <a:xfrm>
+            <a:off x="2968021" y="174358"/>
+            <a:ext cx="7772400" cy="5879123"/>
+          </a:xfrm>
+          <a:prstGeom prst="rect">
+            <a:avLst/>
+          </a:prstGeom>
+        </p:spPr>
+      </p:pic>
+    </p:spTree>
+    <p:extLst>
+      <p:ext uri="{BB962C8B-B14F-4D97-AF65-F5344CB8AC3E}">
+        <p14:creationId xmlns:p14="http://schemas.microsoft.com/office/powerpoint/2010/main" val="3036965824"/>
       </p:ext>
     </p:extLst>
   </p:cSld>
@@ -4333,7 +4963,7 @@
           <p:cNvPr id="2" name="Title 1">
             <a:extLst>
               <a:ext uri="{FF2B5EF4-FFF2-40B4-BE49-F238E27FC236}">
-                <a16:creationId xmlns:a16="http://schemas.microsoft.com/office/drawing/2014/main" id="{0DA54600-95DF-1482-1EC2-6DAE1B743403}"/>
+                <a16:creationId xmlns:a16="http://schemas.microsoft.com/office/drawing/2014/main" id="{CA2A7424-7C88-763B-EE5E-1EBDF966BD09}"/>
               </a:ext>
             </a:extLst>
           </p:cNvPr>
@@ -4351,7 +4981,7 @@
           <a:p>
             <a:r>
               <a:rPr lang="en-US" dirty="0"/>
-              <a:t>Test First</a:t>
+              <a:t>Testing</a:t>
             </a:r>
           </a:p>
         </p:txBody>
@@ -4361,7 +4991,7 @@
           <p:cNvPr id="3" name="Content Placeholder 2">
             <a:extLst>
               <a:ext uri="{FF2B5EF4-FFF2-40B4-BE49-F238E27FC236}">
-                <a16:creationId xmlns:a16="http://schemas.microsoft.com/office/drawing/2014/main" id="{94CFC9C4-02C2-9878-A974-81930ACC0340}"/>
+                <a16:creationId xmlns:a16="http://schemas.microsoft.com/office/drawing/2014/main" id="{3D0CAF36-6528-956E-F784-9D09A2C91E7F}"/>
               </a:ext>
             </a:extLst>
           </p:cNvPr>
@@ -4372,65 +5002,35 @@
             <p:ph idx="1"/>
           </p:nvPr>
         </p:nvSpPr>
-        <p:spPr>
-          <a:xfrm>
-            <a:off x="1292773" y="1853754"/>
-            <a:ext cx="9762082" cy="4199727"/>
-          </a:xfrm>
-        </p:spPr>
-        <p:txBody>
-          <a:bodyPr/>
-          <a:lstStyle/>
-          <a:p>
-            <a:r>
-              <a:rPr lang="en-US" dirty="0"/>
-              <a:t>One strategy that we can use is to build tests in advance of actual coding. </a:t>
-            </a:r>
-          </a:p>
-          <a:p>
-            <a:r>
-              <a:rPr lang="en-US" dirty="0"/>
-              <a:t>This is called Test Driven Development. </a:t>
-            </a:r>
-          </a:p>
-          <a:p>
-            <a:r>
-              <a:rPr lang="en-US" dirty="0"/>
-              <a:t>Test driven development starts with defining what “good enough” is. </a:t>
-            </a:r>
-          </a:p>
-          <a:p>
-            <a:pPr lvl="1"/>
-            <a:r>
-              <a:rPr lang="en-US" dirty="0"/>
-              <a:t>Anything that passes the test is satisfactory. </a:t>
-            </a:r>
-          </a:p>
-          <a:p>
-            <a:pPr lvl="1"/>
-            <a:r>
-              <a:rPr lang="en-US" dirty="0"/>
-              <a:t>As long as the test is complete, this will give a correct result. </a:t>
-            </a:r>
-          </a:p>
-          <a:p>
-            <a:pPr lvl="1"/>
-            <a:r>
-              <a:rPr lang="en-US" dirty="0"/>
-              <a:t>Works for an individual function, subprocess, or entire program – just with different tests. </a:t>
-            </a:r>
-          </a:p>
-          <a:p>
-            <a:r>
-              <a:rPr lang="en-US" dirty="0"/>
-              <a:t>Build a testing harness that checks what a function needs to do, then work on something that will meet those needs. </a:t>
-            </a:r>
-          </a:p>
-          <a:p>
-            <a:pPr lvl="1"/>
-            <a:r>
-              <a:rPr lang="en-US" dirty="0"/>
-              <a:t>The process of thinking about all the pass/fail scenarios can also be valuable. </a:t>
+        <p:spPr/>
+        <p:txBody>
+          <a:bodyPr/>
+          <a:lstStyle/>
+          <a:p>
+            <a:r>
+              <a:rPr lang="en-US" dirty="0"/>
+              <a:t>Testing code is generally a good idea. </a:t>
+            </a:r>
+          </a:p>
+          <a:p>
+            <a:r>
+              <a:rPr lang="en-US" dirty="0"/>
+              <a:t>Organizing the testing can help both with testing and with development. </a:t>
+            </a:r>
+          </a:p>
+          <a:p>
+            <a:endParaRPr lang="en-US" dirty="0"/>
+          </a:p>
+          <a:p>
+            <a:r>
+              <a:rPr lang="en-US" dirty="0"/>
+              <a:t>What if we define a really good test of what we need code to do? Then anything that does it is a success. </a:t>
+            </a:r>
+          </a:p>
+          <a:p>
+            <a:r>
+              <a:rPr lang="en-US" dirty="0"/>
+              <a:t>This concept is called Test Driven Development – we first define what success is, then we work on making our code do that. </a:t>
             </a:r>
           </a:p>
         </p:txBody>
@@ -4438,7 +5038,7 @@
     </p:spTree>
     <p:extLst>
       <p:ext uri="{BB962C8B-B14F-4D97-AF65-F5344CB8AC3E}">
-        <p14:creationId xmlns:p14="http://schemas.microsoft.com/office/powerpoint/2010/main" val="4281455928"/>
+        <p14:creationId xmlns:p14="http://schemas.microsoft.com/office/powerpoint/2010/main" val="230377174"/>
       </p:ext>
     </p:extLst>
   </p:cSld>
@@ -4449,293 +5049,6 @@
 </file>
 
 <file path=ppt/slides/slide5.xml><?xml version="1.0" encoding="utf-8"?>
-<p:sld xmlns:a="http://schemas.openxmlformats.org/drawingml/2006/main" xmlns:r="http://schemas.openxmlformats.org/officeDocument/2006/relationships" xmlns:p="http://schemas.openxmlformats.org/presentationml/2006/main">
-  <p:cSld>
-    <p:spTree>
-      <p:nvGrpSpPr>
-        <p:cNvPr id="1" name=""/>
-        <p:cNvGrpSpPr/>
-        <p:nvPr/>
-      </p:nvGrpSpPr>
-      <p:grpSpPr>
-        <a:xfrm>
-          <a:off x="0" y="0"/>
-          <a:ext cx="0" cy="0"/>
-          <a:chOff x="0" y="0"/>
-          <a:chExt cx="0" cy="0"/>
-        </a:xfrm>
-      </p:grpSpPr>
-      <p:sp>
-        <p:nvSpPr>
-          <p:cNvPr id="2" name="Title 1">
-            <a:extLst>
-              <a:ext uri="{FF2B5EF4-FFF2-40B4-BE49-F238E27FC236}">
-                <a16:creationId xmlns:a16="http://schemas.microsoft.com/office/drawing/2014/main" id="{8CFCBD88-87F0-386A-A73B-6851CF2688FB}"/>
-              </a:ext>
-            </a:extLst>
-          </p:cNvPr>
-          <p:cNvSpPr>
-            <a:spLocks noGrp="1"/>
-          </p:cNvSpPr>
-          <p:nvPr>
-            <p:ph type="title"/>
-          </p:nvPr>
-        </p:nvSpPr>
-        <p:spPr/>
-        <p:txBody>
-          <a:bodyPr/>
-          <a:lstStyle/>
-          <a:p>
-            <a:r>
-              <a:rPr lang="en-US" dirty="0"/>
-              <a:t>Testing Mechanics</a:t>
-            </a:r>
-          </a:p>
-        </p:txBody>
-      </p:sp>
-      <p:sp>
-        <p:nvSpPr>
-          <p:cNvPr id="3" name="Content Placeholder 2">
-            <a:extLst>
-              <a:ext uri="{FF2B5EF4-FFF2-40B4-BE49-F238E27FC236}">
-                <a16:creationId xmlns:a16="http://schemas.microsoft.com/office/drawing/2014/main" id="{3FD33948-28B4-B221-E9E5-EB4A385209D5}"/>
-              </a:ext>
-            </a:extLst>
-          </p:cNvPr>
-          <p:cNvSpPr>
-            <a:spLocks noGrp="1"/>
-          </p:cNvSpPr>
-          <p:nvPr>
-            <p:ph idx="1"/>
-          </p:nvPr>
-        </p:nvSpPr>
-        <p:spPr>
-          <a:xfrm>
-            <a:off x="1271753" y="1853754"/>
-            <a:ext cx="9783102" cy="4199727"/>
-          </a:xfrm>
-        </p:spPr>
-        <p:txBody>
-          <a:bodyPr/>
-          <a:lstStyle/>
-          <a:p>
-            <a:r>
-              <a:rPr lang="en-US" dirty="0"/>
-              <a:t>The only thing that really matters is that we can see if the tests passed or not. </a:t>
-            </a:r>
-          </a:p>
-          <a:p>
-            <a:r>
-              <a:rPr lang="en-US" dirty="0"/>
-              <a:t>The assert statement can be used to check things, and throw an exception if it isn’t true.</a:t>
-            </a:r>
-          </a:p>
-          <a:p>
-            <a:r>
-              <a:rPr lang="en-US" dirty="0"/>
-              <a:t>There are other testing libraries that can automate this. </a:t>
-            </a:r>
-          </a:p>
-          <a:p>
-            <a:pPr lvl="1"/>
-            <a:r>
-              <a:rPr lang="en-US" dirty="0" err="1"/>
-              <a:t>Unittest</a:t>
-            </a:r>
-            <a:r>
-              <a:rPr lang="en-US" dirty="0"/>
-              <a:t> and </a:t>
-            </a:r>
-            <a:r>
-              <a:rPr lang="en-US" dirty="0" err="1"/>
-              <a:t>pytest</a:t>
-            </a:r>
-            <a:r>
-              <a:rPr lang="en-US" dirty="0"/>
-              <a:t> are standard common testing libraries. </a:t>
-            </a:r>
-          </a:p>
-          <a:p>
-            <a:pPr lvl="1"/>
-            <a:r>
-              <a:rPr lang="en-US" dirty="0"/>
-              <a:t>If you do software development it is likely your company will have some tool/process/standard.</a:t>
-            </a:r>
-          </a:p>
-          <a:p>
-            <a:pPr lvl="1"/>
-            <a:r>
-              <a:rPr lang="en-US" dirty="0"/>
-              <a:t>Details vary, but the idea is the same for all, basically a series of asserts with a nice log. </a:t>
-            </a:r>
-          </a:p>
-          <a:p>
-            <a:pPr lvl="1"/>
-            <a:r>
-              <a:rPr lang="en-US" dirty="0"/>
-              <a:t>We’ll focus on doing the testing by hand, not external tools. </a:t>
-            </a:r>
-          </a:p>
-          <a:p>
-            <a:r>
-              <a:rPr lang="en-US" dirty="0"/>
-              <a:t>Test harnesses can be built in repositories like GitHub, to test on commit. </a:t>
-            </a:r>
-          </a:p>
-          <a:p>
-            <a:pPr lvl="1"/>
-            <a:r>
-              <a:rPr lang="en-US" dirty="0" err="1"/>
-              <a:t>Pytest</a:t>
-            </a:r>
-            <a:r>
-              <a:rPr lang="en-US" dirty="0"/>
-              <a:t> integrates easily and can be configured to automatically test new things, or regression. </a:t>
-            </a:r>
-          </a:p>
-        </p:txBody>
-      </p:sp>
-    </p:spTree>
-    <p:extLst>
-      <p:ext uri="{BB962C8B-B14F-4D97-AF65-F5344CB8AC3E}">
-        <p14:creationId xmlns:p14="http://schemas.microsoft.com/office/powerpoint/2010/main" val="484458146"/>
-      </p:ext>
-    </p:extLst>
-  </p:cSld>
-  <p:clrMapOvr>
-    <a:masterClrMapping/>
-  </p:clrMapOvr>
-</p:sld>
-</file>
-
-<file path=ppt/slides/slide6.xml><?xml version="1.0" encoding="utf-8"?>
-<p:sld xmlns:a="http://schemas.openxmlformats.org/drawingml/2006/main" xmlns:r="http://schemas.openxmlformats.org/officeDocument/2006/relationships" xmlns:p="http://schemas.openxmlformats.org/presentationml/2006/main">
-  <p:cSld>
-    <p:spTree>
-      <p:nvGrpSpPr>
-        <p:cNvPr id="1" name=""/>
-        <p:cNvGrpSpPr/>
-        <p:nvPr/>
-      </p:nvGrpSpPr>
-      <p:grpSpPr>
-        <a:xfrm>
-          <a:off x="0" y="0"/>
-          <a:ext cx="0" cy="0"/>
-          <a:chOff x="0" y="0"/>
-          <a:chExt cx="0" cy="0"/>
-        </a:xfrm>
-      </p:grpSpPr>
-      <p:sp>
-        <p:nvSpPr>
-          <p:cNvPr id="2" name="Title 1">
-            <a:extLst>
-              <a:ext uri="{FF2B5EF4-FFF2-40B4-BE49-F238E27FC236}">
-                <a16:creationId xmlns:a16="http://schemas.microsoft.com/office/drawing/2014/main" id="{9F08E284-685E-F617-07FA-ADAFA1EE286A}"/>
-              </a:ext>
-            </a:extLst>
-          </p:cNvPr>
-          <p:cNvSpPr>
-            <a:spLocks noGrp="1"/>
-          </p:cNvSpPr>
-          <p:nvPr>
-            <p:ph type="title"/>
-          </p:nvPr>
-        </p:nvSpPr>
-        <p:spPr/>
-        <p:txBody>
-          <a:bodyPr/>
-          <a:lstStyle/>
-          <a:p>
-            <a:endParaRPr lang="en-US"/>
-          </a:p>
-        </p:txBody>
-      </p:sp>
-      <p:sp>
-        <p:nvSpPr>
-          <p:cNvPr id="3" name="Content Placeholder 2">
-            <a:extLst>
-              <a:ext uri="{FF2B5EF4-FFF2-40B4-BE49-F238E27FC236}">
-                <a16:creationId xmlns:a16="http://schemas.microsoft.com/office/drawing/2014/main" id="{7806E26A-743C-11AA-071D-A6E01D1AB558}"/>
-              </a:ext>
-            </a:extLst>
-          </p:cNvPr>
-          <p:cNvSpPr>
-            <a:spLocks noGrp="1"/>
-          </p:cNvSpPr>
-          <p:nvPr>
-            <p:ph idx="1"/>
-          </p:nvPr>
-        </p:nvSpPr>
-        <p:spPr/>
-        <p:txBody>
-          <a:bodyPr/>
-          <a:lstStyle/>
-          <a:p>
-            <a:endParaRPr lang="en-US"/>
-          </a:p>
-        </p:txBody>
-      </p:sp>
-      <p:pic>
-        <p:nvPicPr>
-          <p:cNvPr id="1026" name="Picture 2" descr="A simple introduction to Test Driven Development with Python">
-            <a:extLst>
-              <a:ext uri="{FF2B5EF4-FFF2-40B4-BE49-F238E27FC236}">
-                <a16:creationId xmlns:a16="http://schemas.microsoft.com/office/drawing/2014/main" id="{47665267-EA76-2118-7C36-024DADAF050F}"/>
-              </a:ext>
-            </a:extLst>
-          </p:cNvPr>
-          <p:cNvPicPr>
-            <a:picLocks noChangeAspect="1" noChangeArrowheads="1"/>
-          </p:cNvPicPr>
-          <p:nvPr/>
-        </p:nvPicPr>
-        <p:blipFill>
-          <a:blip r:embed="rId2">
-            <a:extLst>
-              <a:ext uri="{28A0092B-C50C-407E-A947-70E740481C1C}">
-                <a14:useLocalDpi xmlns:a14="http://schemas.microsoft.com/office/drawing/2010/main" val="0"/>
-              </a:ext>
-            </a:extLst>
-          </a:blip>
-          <a:srcRect/>
-          <a:stretch>
-            <a:fillRect/>
-          </a:stretch>
-        </p:blipFill>
-        <p:spPr bwMode="auto">
-          <a:xfrm>
-            <a:off x="1016000" y="1670050"/>
-            <a:ext cx="10160000" cy="3517900"/>
-          </a:xfrm>
-          <a:prstGeom prst="rect">
-            <a:avLst/>
-          </a:prstGeom>
-          <a:noFill/>
-          <a:extLst>
-            <a:ext uri="{909E8E84-426E-40DD-AFC4-6F175D3DCCD1}">
-              <a14:hiddenFill xmlns:a14="http://schemas.microsoft.com/office/drawing/2010/main">
-                <a:solidFill>
-                  <a:srgbClr val="FFFFFF"/>
-                </a:solidFill>
-              </a14:hiddenFill>
-            </a:ext>
-          </a:extLst>
-        </p:spPr>
-      </p:pic>
-    </p:spTree>
-    <p:extLst>
-      <p:ext uri="{BB962C8B-B14F-4D97-AF65-F5344CB8AC3E}">
-        <p14:creationId xmlns:p14="http://schemas.microsoft.com/office/powerpoint/2010/main" val="3625008055"/>
-      </p:ext>
-    </p:extLst>
-  </p:cSld>
-  <p:clrMapOvr>
-    <a:masterClrMapping/>
-  </p:clrMapOvr>
-</p:sld>
-</file>
-
-<file path=ppt/slides/slide7.xml><?xml version="1.0" encoding="utf-8"?>
 <p:sld xmlns:a="http://schemas.openxmlformats.org/drawingml/2006/main" xmlns:r="http://schemas.openxmlformats.org/officeDocument/2006/relationships" xmlns:p="http://schemas.openxmlformats.org/presentationml/2006/main">
   <p:cSld>
     <p:bg>
@@ -4781,7 +5094,7 @@
           <p:cNvPr id="2" name="Title 1">
             <a:extLst>
               <a:ext uri="{FF2B5EF4-FFF2-40B4-BE49-F238E27FC236}">
-                <a16:creationId xmlns:a16="http://schemas.microsoft.com/office/drawing/2014/main" id="{AAF5C13D-B7FA-2EC7-9B3D-DF02CCFC0D3A}"/>
+                <a16:creationId xmlns:a16="http://schemas.microsoft.com/office/drawing/2014/main" id="{01A00F05-38F8-00CC-18CA-722A4D309C2D}"/>
               </a:ext>
             </a:extLst>
           </p:cNvPr>
@@ -4806,63 +5119,187 @@
           <a:p>
             <a:r>
               <a:rPr lang="en-US" dirty="0"/>
-              <a:t>In Data Science</a:t>
+              <a:t>Test Types</a:t>
+            </a:r>
+          </a:p>
+        </p:txBody>
+      </p:sp>
+      <p:sp>
+        <p:nvSpPr>
+          <p:cNvPr id="3" name="Content Placeholder 2">
+            <a:extLst>
+              <a:ext uri="{FF2B5EF4-FFF2-40B4-BE49-F238E27FC236}">
+                <a16:creationId xmlns:a16="http://schemas.microsoft.com/office/drawing/2014/main" id="{F765E927-74D4-6A5F-110E-5ED74DF1EB49}"/>
+              </a:ext>
+            </a:extLst>
+          </p:cNvPr>
+          <p:cNvSpPr>
+            <a:spLocks noGrp="1"/>
+          </p:cNvSpPr>
+          <p:nvPr>
+            <p:ph idx="1"/>
+          </p:nvPr>
+        </p:nvSpPr>
+        <p:spPr>
+          <a:xfrm>
+            <a:off x="220717" y="1853753"/>
+            <a:ext cx="6261813" cy="4199727"/>
+          </a:xfrm>
+        </p:spPr>
+        <p:txBody>
+          <a:bodyPr>
+            <a:normAutofit/>
+          </a:bodyPr>
+          <a:lstStyle/>
+          <a:p>
+            <a:r>
+              <a:rPr lang="en-US" dirty="0"/>
+              <a:t>We can split testing into several types. </a:t>
+            </a:r>
+          </a:p>
+          <a:p>
+            <a:pPr lvl="1"/>
+            <a:r>
+              <a:rPr lang="en-US" dirty="0"/>
+              <a:t>Unit testing is testing one ‘thing’, like a function. </a:t>
+            </a:r>
+          </a:p>
+          <a:p>
+            <a:pPr lvl="1"/>
+            <a:r>
+              <a:rPr lang="en-US" dirty="0"/>
+              <a:t>Integration testing test a subprocess, a set of functions, or some part of a larger system.  </a:t>
+            </a:r>
+          </a:p>
+          <a:p>
+            <a:pPr lvl="1"/>
+            <a:r>
+              <a:rPr lang="en-US" dirty="0"/>
+              <a:t>End-to-end tests an entire system, beginning to end. </a:t>
+            </a:r>
+          </a:p>
+          <a:p>
+            <a:r>
+              <a:rPr lang="en-US" dirty="0"/>
+              <a:t>Time and complexity can get extreme in some cases. </a:t>
+            </a:r>
+          </a:p>
+          <a:p>
+            <a:pPr lvl="1"/>
+            <a:r>
+              <a:rPr lang="en-US" dirty="0"/>
+              <a:t>An end-to-end test of large data pipelines or a full program may take a long time and/or cost lots of money. </a:t>
+            </a:r>
+          </a:p>
+          <a:p>
+            <a:r>
+              <a:rPr lang="en-US" dirty="0"/>
+              <a:t>Organized code can push testing down the pyramid. </a:t>
+            </a:r>
+          </a:p>
+          <a:p>
+            <a:pPr lvl="1"/>
+            <a:r>
+              <a:rPr lang="en-US" dirty="0"/>
+              <a:t>Functions can be tested separately, walls of code can’t. </a:t>
             </a:r>
           </a:p>
         </p:txBody>
       </p:sp>
       <p:pic>
         <p:nvPicPr>
-          <p:cNvPr id="2052" name="Picture 4" descr="What is a Data Pipeline? Definition, Types &amp; Use Cases">
+          <p:cNvPr id="4" name="Picture 3">
             <a:extLst>
               <a:ext uri="{FF2B5EF4-FFF2-40B4-BE49-F238E27FC236}">
-                <a16:creationId xmlns:a16="http://schemas.microsoft.com/office/drawing/2014/main" id="{0F0245C4-9C08-F480-EDA8-51F517F4CF0B}"/>
+                <a16:creationId xmlns:a16="http://schemas.microsoft.com/office/drawing/2014/main" id="{D5D5F0B7-CCB5-E4D3-A045-81880E68EF6E}"/>
               </a:ext>
             </a:extLst>
           </p:cNvPr>
           <p:cNvPicPr>
-            <a:picLocks noChangeAspect="1" noChangeArrowheads="1"/>
+            <a:picLocks noChangeAspect="1"/>
           </p:cNvPicPr>
           <p:nvPr/>
         </p:nvPicPr>
         <p:blipFill>
-          <a:blip r:embed="rId2">
-            <a:extLst>
-              <a:ext uri="{28A0092B-C50C-407E-A947-70E740481C1C}">
-                <a14:useLocalDpi xmlns:a14="http://schemas.microsoft.com/office/drawing/2010/main" val="0"/>
-              </a:ext>
-            </a:extLst>
-          </a:blip>
+          <a:blip r:embed="rId2"/>
           <a:stretch>
             <a:fillRect/>
           </a:stretch>
         </p:blipFill>
-        <p:spPr bwMode="auto">
-          <a:xfrm>
-            <a:off x="0" y="1746794"/>
-            <a:ext cx="6292546" cy="4436245"/>
+        <p:spPr>
+          <a:xfrm>
+            <a:off x="6482530" y="1839066"/>
+            <a:ext cx="5588000" cy="4229100"/>
           </a:xfrm>
           <a:prstGeom prst="rect">
             <a:avLst/>
           </a:prstGeom>
-          <a:noFill/>
-          <a:extLst>
-            <a:ext uri="{909E8E84-426E-40DD-AFC4-6F175D3DCCD1}">
-              <a14:hiddenFill xmlns:a14="http://schemas.microsoft.com/office/drawing/2010/main">
-                <a:solidFill>
-                  <a:srgbClr val="FFFFFF"/>
-                </a:solidFill>
-              </a14:hiddenFill>
-            </a:ext>
-          </a:extLst>
         </p:spPr>
       </p:pic>
+    </p:spTree>
+    <p:extLst>
+      <p:ext uri="{BB962C8B-B14F-4D97-AF65-F5344CB8AC3E}">
+        <p14:creationId xmlns:p14="http://schemas.microsoft.com/office/powerpoint/2010/main" val="226297067"/>
+      </p:ext>
+    </p:extLst>
+  </p:cSld>
+  <p:clrMapOvr>
+    <a:masterClrMapping/>
+  </p:clrMapOvr>
+</p:sld>
+</file>
+
+<file path=ppt/slides/slide6.xml><?xml version="1.0" encoding="utf-8"?>
+<p:sld xmlns:a="http://schemas.openxmlformats.org/drawingml/2006/main" xmlns:r="http://schemas.openxmlformats.org/officeDocument/2006/relationships" xmlns:p="http://schemas.openxmlformats.org/presentationml/2006/main">
+  <p:cSld>
+    <p:spTree>
+      <p:nvGrpSpPr>
+        <p:cNvPr id="1" name=""/>
+        <p:cNvGrpSpPr/>
+        <p:nvPr/>
+      </p:nvGrpSpPr>
+      <p:grpSpPr>
+        <a:xfrm>
+          <a:off x="0" y="0"/>
+          <a:ext cx="0" cy="0"/>
+          <a:chOff x="0" y="0"/>
+          <a:chExt cx="0" cy="0"/>
+        </a:xfrm>
+      </p:grpSpPr>
+      <p:sp>
+        <p:nvSpPr>
+          <p:cNvPr id="2" name="Title 1">
+            <a:extLst>
+              <a:ext uri="{FF2B5EF4-FFF2-40B4-BE49-F238E27FC236}">
+                <a16:creationId xmlns:a16="http://schemas.microsoft.com/office/drawing/2014/main" id="{0DA54600-95DF-1482-1EC2-6DAE1B743403}"/>
+              </a:ext>
+            </a:extLst>
+          </p:cNvPr>
+          <p:cNvSpPr>
+            <a:spLocks noGrp="1"/>
+          </p:cNvSpPr>
+          <p:nvPr>
+            <p:ph type="title"/>
+          </p:nvPr>
+        </p:nvSpPr>
+        <p:spPr/>
+        <p:txBody>
+          <a:bodyPr/>
+          <a:lstStyle/>
+          <a:p>
+            <a:r>
+              <a:rPr lang="en-US" dirty="0"/>
+              <a:t>Test Driven Development - Test First</a:t>
+            </a:r>
+          </a:p>
+        </p:txBody>
+      </p:sp>
       <p:sp>
         <p:nvSpPr>
           <p:cNvPr id="3" name="Content Placeholder 2">
             <a:extLst>
               <a:ext uri="{FF2B5EF4-FFF2-40B4-BE49-F238E27FC236}">
-                <a16:creationId xmlns:a16="http://schemas.microsoft.com/office/drawing/2014/main" id="{05D46B3A-7204-4DCE-12F6-21C1BD8C5624}"/>
+                <a16:creationId xmlns:a16="http://schemas.microsoft.com/office/drawing/2014/main" id="{94CFC9C4-02C2-9878-A974-81930ACC0340}"/>
               </a:ext>
             </a:extLst>
           </p:cNvPr>
@@ -4875,57 +5312,241 @@
         </p:nvSpPr>
         <p:spPr>
           <a:xfrm>
-            <a:off x="6292546" y="1853754"/>
-            <a:ext cx="5899454" cy="4199727"/>
+            <a:off x="1292773" y="1853754"/>
+            <a:ext cx="9762082" cy="4299911"/>
           </a:xfrm>
         </p:spPr>
         <p:txBody>
           <a:bodyPr>
-            <a:normAutofit lnSpcReduction="10000"/>
+            <a:normAutofit/>
           </a:bodyPr>
           <a:lstStyle/>
           <a:p>
             <a:r>
-              <a:rPr lang="en-US" sz="2400" dirty="0"/>
-              <a:t>In data science, this translates well to one of the main “code heavy” parts – data pipelines:</a:t>
+              <a:rPr lang="en-US" dirty="0"/>
+              <a:t>One strategy that we can use is to build tests in advance of actual coding. </a:t>
+            </a:r>
+          </a:p>
+          <a:p>
+            <a:r>
+              <a:rPr lang="en-US" dirty="0"/>
+              <a:t>Test driven development starts with defining what “good enough” is. </a:t>
             </a:r>
           </a:p>
           <a:p>
             <a:pPr lvl="1"/>
             <a:r>
-              <a:rPr lang="en-US" sz="2000" dirty="0"/>
-              <a:t>We know the starting point – what the incoming data looks like. </a:t>
+              <a:rPr lang="en-US" dirty="0"/>
+              <a:t>Anything that passes the test is satisfactory. </a:t>
             </a:r>
           </a:p>
           <a:p>
             <a:pPr lvl="1"/>
             <a:r>
-              <a:rPr lang="en-US" sz="2000" dirty="0"/>
-              <a:t>We know the end result – the format we want/need our data in. </a:t>
+              <a:rPr lang="en-US" dirty="0"/>
+              <a:t>As long as the test is complete, this will give a correct result. </a:t>
             </a:r>
           </a:p>
           <a:p>
             <a:pPr lvl="1"/>
             <a:r>
-              <a:rPr lang="en-US" sz="2000" dirty="0"/>
-              <a:t>As long as we connect the two, we are successful. </a:t>
-            </a:r>
-          </a:p>
-          <a:p>
-            <a:r>
-              <a:rPr lang="en-US" sz="2200" dirty="0"/>
-              <a:t>Tests of output format can be defined. </a:t>
-            </a:r>
-          </a:p>
-          <a:p>
-            <a:endParaRPr lang="en-US" sz="2400" dirty="0"/>
+              <a:rPr lang="en-US" dirty="0"/>
+              <a:t>Works for an individual function, subprocess, or entire program – just with different tests. </a:t>
+            </a:r>
+          </a:p>
+          <a:p>
+            <a:r>
+              <a:rPr lang="en-US" dirty="0"/>
+              <a:t>Build a testing harness that checks what a function needs to do, then work on something that will meet those needs. </a:t>
+            </a:r>
+          </a:p>
+          <a:p>
+            <a:pPr lvl="1"/>
+            <a:r>
+              <a:rPr lang="en-US" dirty="0"/>
+              <a:t>The process of thinking about all the pass/fail scenarios can also be valuable. </a:t>
+            </a:r>
+          </a:p>
+          <a:p>
+            <a:pPr lvl="1"/>
+            <a:r>
+              <a:rPr lang="en-US" dirty="0"/>
+              <a:t>Makes it much easier to distribute tasks, or even outsource work to others. </a:t>
+            </a:r>
+          </a:p>
+          <a:p>
+            <a:pPr lvl="1"/>
+            <a:r>
+              <a:rPr lang="en-US" dirty="0"/>
+              <a:t>We can layer these tests as we work, allowing us to test parts or the whole easily. </a:t>
+            </a:r>
           </a:p>
         </p:txBody>
       </p:sp>
     </p:spTree>
     <p:extLst>
       <p:ext uri="{BB962C8B-B14F-4D97-AF65-F5344CB8AC3E}">
-        <p14:creationId xmlns:p14="http://schemas.microsoft.com/office/powerpoint/2010/main" val="9918524"/>
+        <p14:creationId xmlns:p14="http://schemas.microsoft.com/office/powerpoint/2010/main" val="4281455928"/>
+      </p:ext>
+    </p:extLst>
+  </p:cSld>
+  <p:clrMapOvr>
+    <a:masterClrMapping/>
+  </p:clrMapOvr>
+</p:sld>
+</file>
+
+<file path=ppt/slides/slide7.xml><?xml version="1.0" encoding="utf-8"?>
+<p:sld xmlns:a="http://schemas.openxmlformats.org/drawingml/2006/main" xmlns:r="http://schemas.openxmlformats.org/officeDocument/2006/relationships" xmlns:p="http://schemas.openxmlformats.org/presentationml/2006/main">
+  <p:cSld>
+    <p:spTree>
+      <p:nvGrpSpPr>
+        <p:cNvPr id="1" name=""/>
+        <p:cNvGrpSpPr/>
+        <p:nvPr/>
+      </p:nvGrpSpPr>
+      <p:grpSpPr>
+        <a:xfrm>
+          <a:off x="0" y="0"/>
+          <a:ext cx="0" cy="0"/>
+          <a:chOff x="0" y="0"/>
+          <a:chExt cx="0" cy="0"/>
+        </a:xfrm>
+      </p:grpSpPr>
+      <p:sp>
+        <p:nvSpPr>
+          <p:cNvPr id="2" name="Title 1">
+            <a:extLst>
+              <a:ext uri="{FF2B5EF4-FFF2-40B4-BE49-F238E27FC236}">
+                <a16:creationId xmlns:a16="http://schemas.microsoft.com/office/drawing/2014/main" id="{8CFCBD88-87F0-386A-A73B-6851CF2688FB}"/>
+              </a:ext>
+            </a:extLst>
+          </p:cNvPr>
+          <p:cNvSpPr>
+            <a:spLocks noGrp="1"/>
+          </p:cNvSpPr>
+          <p:nvPr>
+            <p:ph type="title"/>
+          </p:nvPr>
+        </p:nvSpPr>
+        <p:spPr/>
+        <p:txBody>
+          <a:bodyPr/>
+          <a:lstStyle/>
+          <a:p>
+            <a:r>
+              <a:rPr lang="en-US" dirty="0"/>
+              <a:t>Testing Mechanics</a:t>
+            </a:r>
+          </a:p>
+        </p:txBody>
+      </p:sp>
+      <p:sp>
+        <p:nvSpPr>
+          <p:cNvPr id="3" name="Content Placeholder 2">
+            <a:extLst>
+              <a:ext uri="{FF2B5EF4-FFF2-40B4-BE49-F238E27FC236}">
+                <a16:creationId xmlns:a16="http://schemas.microsoft.com/office/drawing/2014/main" id="{3FD33948-28B4-B221-E9E5-EB4A385209D5}"/>
+              </a:ext>
+            </a:extLst>
+          </p:cNvPr>
+          <p:cNvSpPr>
+            <a:spLocks noGrp="1"/>
+          </p:cNvSpPr>
+          <p:nvPr>
+            <p:ph idx="1"/>
+          </p:nvPr>
+        </p:nvSpPr>
+        <p:spPr>
+          <a:xfrm>
+            <a:off x="1271753" y="1853754"/>
+            <a:ext cx="9783102" cy="4199727"/>
+          </a:xfrm>
+        </p:spPr>
+        <p:txBody>
+          <a:bodyPr/>
+          <a:lstStyle/>
+          <a:p>
+            <a:r>
+              <a:rPr lang="en-US" dirty="0"/>
+              <a:t>The only thing that really matters is that we can see if the tests passed or not. </a:t>
+            </a:r>
+          </a:p>
+          <a:p>
+            <a:r>
+              <a:rPr lang="en-US" dirty="0"/>
+              <a:t>The assert statement can be used to check things, and throw an exception if it isn’t true.</a:t>
+            </a:r>
+          </a:p>
+          <a:p>
+            <a:r>
+              <a:rPr lang="en-US" dirty="0"/>
+              <a:t>There are other testing libraries that can automate this. </a:t>
+            </a:r>
+          </a:p>
+          <a:p>
+            <a:pPr lvl="1"/>
+            <a:r>
+              <a:rPr lang="en-US" dirty="0" err="1"/>
+              <a:t>Unittest</a:t>
+            </a:r>
+            <a:r>
+              <a:rPr lang="en-US" dirty="0"/>
+              <a:t> and </a:t>
+            </a:r>
+            <a:r>
+              <a:rPr lang="en-US" dirty="0" err="1"/>
+              <a:t>pytest</a:t>
+            </a:r>
+            <a:r>
+              <a:rPr lang="en-US" dirty="0"/>
+              <a:t> are standard common testing libraries. </a:t>
+            </a:r>
+          </a:p>
+          <a:p>
+            <a:pPr lvl="1"/>
+            <a:r>
+              <a:rPr lang="en-US" dirty="0"/>
+              <a:t>If you do software development it is likely your company will have some tool/process/standard.</a:t>
+            </a:r>
+          </a:p>
+          <a:p>
+            <a:pPr lvl="1"/>
+            <a:r>
+              <a:rPr lang="en-US" dirty="0"/>
+              <a:t>Details vary, but the idea is the same for all, basically a series of asserts with a nice log. </a:t>
+            </a:r>
+          </a:p>
+          <a:p>
+            <a:pPr lvl="1"/>
+            <a:r>
+              <a:rPr lang="en-US" dirty="0"/>
+              <a:t>We’ll focus on doing the testing by hand, not external tools. </a:t>
+            </a:r>
+          </a:p>
+          <a:p>
+            <a:r>
+              <a:rPr lang="en-US" dirty="0"/>
+              <a:t>Test harnesses can be built in repositories like GitHub, to test on commit. </a:t>
+            </a:r>
+          </a:p>
+          <a:p>
+            <a:pPr lvl="1"/>
+            <a:r>
+              <a:rPr lang="en-US" dirty="0" err="1"/>
+              <a:t>Pytest</a:t>
+            </a:r>
+            <a:r>
+              <a:rPr lang="en-US" dirty="0"/>
+              <a:t> integrates easily and can be configured to automatically test new things, or regression. </a:t>
+            </a:r>
+          </a:p>
+        </p:txBody>
+      </p:sp>
+    </p:spTree>
+    <p:extLst>
+      <p:ext uri="{BB962C8B-B14F-4D97-AF65-F5344CB8AC3E}">
+        <p14:creationId xmlns:p14="http://schemas.microsoft.com/office/powerpoint/2010/main" val="484458146"/>
       </p:ext>
     </p:extLst>
   </p:cSld>
@@ -4957,7 +5578,7 @@
           <p:cNvPr id="2" name="Title 1">
             <a:extLst>
               <a:ext uri="{FF2B5EF4-FFF2-40B4-BE49-F238E27FC236}">
-                <a16:creationId xmlns:a16="http://schemas.microsoft.com/office/drawing/2014/main" id="{9604A9F3-69B9-54C4-36AD-4A430969DA6A}"/>
+                <a16:creationId xmlns:a16="http://schemas.microsoft.com/office/drawing/2014/main" id="{9F08E284-685E-F617-07FA-ADAFA1EE286A}"/>
               </a:ext>
             </a:extLst>
           </p:cNvPr>
@@ -4973,10 +5594,7 @@
           <a:bodyPr/>
           <a:lstStyle/>
           <a:p>
-            <a:r>
-              <a:rPr lang="en-US" dirty="0"/>
-              <a:t>Refactoring</a:t>
-            </a:r>
+            <a:endParaRPr lang="en-US"/>
           </a:p>
         </p:txBody>
       </p:sp>
@@ -4985,7 +5603,7 @@
           <p:cNvPr id="3" name="Content Placeholder 2">
             <a:extLst>
               <a:ext uri="{FF2B5EF4-FFF2-40B4-BE49-F238E27FC236}">
-                <a16:creationId xmlns:a16="http://schemas.microsoft.com/office/drawing/2014/main" id="{3AAFD10F-645F-62FC-F8E7-4CDB267D7385}"/>
+                <a16:creationId xmlns:a16="http://schemas.microsoft.com/office/drawing/2014/main" id="{7806E26A-743C-11AA-071D-A6E01D1AB558}"/>
               </a:ext>
             </a:extLst>
           </p:cNvPr>
@@ -4996,233 +5614,21 @@
             <p:ph idx="1"/>
           </p:nvPr>
         </p:nvSpPr>
-        <p:spPr>
-          <a:xfrm>
-            <a:off x="1451579" y="1853754"/>
-            <a:ext cx="9603275" cy="4199727"/>
-          </a:xfrm>
-        </p:spPr>
-        <p:txBody>
-          <a:bodyPr/>
-          <a:lstStyle/>
-          <a:p>
-            <a:r>
-              <a:rPr lang="en-US" dirty="0"/>
-              <a:t>Refactoring is the process of changing code so that it works the same on the outside, but is ‘better’ on the inside. </a:t>
-            </a:r>
-          </a:p>
-          <a:p>
-            <a:pPr lvl="1"/>
-            <a:r>
-              <a:rPr lang="en-US" dirty="0"/>
-              <a:t>Better means more readable, easier to debug, or more organized. </a:t>
-            </a:r>
-          </a:p>
-          <a:p>
-            <a:pPr lvl="1"/>
-            <a:r>
-              <a:rPr lang="en-US" dirty="0"/>
-              <a:t>Think agile – make it work, then make it better. Working is better than elegant. </a:t>
-            </a:r>
-          </a:p>
-          <a:p>
-            <a:pPr lvl="1"/>
-            <a:r>
-              <a:rPr lang="en-US" dirty="0"/>
-              <a:t>Data science coding is largely exploratory, we can build an ok solution and improve. </a:t>
-            </a:r>
-          </a:p>
-          <a:p>
-            <a:r>
-              <a:rPr lang="en-US" dirty="0"/>
-              <a:t>We want to refactor working and tested code, after we are confident it is good. </a:t>
-            </a:r>
-          </a:p>
-          <a:p>
-            <a:r>
-              <a:rPr lang="en-US" dirty="0"/>
-              <a:t>When doing object-oriented development:</a:t>
-            </a:r>
-          </a:p>
-          <a:p>
-            <a:pPr lvl="1"/>
-            <a:r>
-              <a:rPr lang="en-US" dirty="0"/>
-              <a:t>Where something “lives” – certain attributes or methods might be better in another class. </a:t>
-            </a:r>
-          </a:p>
-          <a:p>
-            <a:pPr lvl="1"/>
-            <a:r>
-              <a:rPr lang="en-US" dirty="0"/>
-              <a:t>Some methods may be made static or not static. </a:t>
-            </a:r>
-          </a:p>
-          <a:p>
-            <a:pPr lvl="1"/>
-            <a:r>
-              <a:rPr lang="en-US" dirty="0"/>
-              <a:t>Inheritance relationships may be different from what you initially thought. </a:t>
-            </a:r>
-          </a:p>
-        </p:txBody>
-      </p:sp>
-    </p:spTree>
-    <p:extLst>
-      <p:ext uri="{BB962C8B-B14F-4D97-AF65-F5344CB8AC3E}">
-        <p14:creationId xmlns:p14="http://schemas.microsoft.com/office/powerpoint/2010/main" val="2601325325"/>
-      </p:ext>
-    </p:extLst>
-  </p:cSld>
-  <p:clrMapOvr>
-    <a:masterClrMapping/>
-  </p:clrMapOvr>
-</p:sld>
-</file>
-
-<file path=ppt/slides/slide9.xml><?xml version="1.0" encoding="utf-8"?>
-<p:sld xmlns:a="http://schemas.openxmlformats.org/drawingml/2006/main" xmlns:r="http://schemas.openxmlformats.org/officeDocument/2006/relationships" xmlns:p="http://schemas.openxmlformats.org/presentationml/2006/main">
-  <p:cSld>
-    <p:bg>
-      <p:bgPr>
-        <a:gradFill rotWithShape="1">
-          <a:gsLst>
-            <a:gs pos="0">
-              <a:schemeClr val="bg2">
-                <a:tint val="94000"/>
-                <a:satMod val="80000"/>
-                <a:lumMod val="106000"/>
-              </a:schemeClr>
-            </a:gs>
-            <a:gs pos="100000">
-              <a:schemeClr val="bg2">
-                <a:shade val="80000"/>
-              </a:schemeClr>
-            </a:gs>
-          </a:gsLst>
-          <a:path path="circle">
-            <a:fillToRect l="43000" r="43000" b="100000"/>
-          </a:path>
-        </a:gradFill>
-        <a:effectLst/>
-      </p:bgPr>
-    </p:bg>
-    <p:spTree>
-      <p:nvGrpSpPr>
-        <p:cNvPr id="1" name=""/>
-        <p:cNvGrpSpPr/>
-        <p:nvPr/>
-      </p:nvGrpSpPr>
-      <p:grpSpPr>
-        <a:xfrm>
-          <a:off x="0" y="0"/>
-          <a:ext cx="0" cy="0"/>
-          <a:chOff x="0" y="0"/>
-          <a:chExt cx="0" cy="0"/>
-        </a:xfrm>
-      </p:grpSpPr>
-      <p:sp>
-        <p:nvSpPr>
-          <p:cNvPr id="2" name="Title 1">
+        <p:spPr/>
+        <p:txBody>
+          <a:bodyPr/>
+          <a:lstStyle/>
+          <a:p>
+            <a:endParaRPr lang="en-US"/>
+          </a:p>
+        </p:txBody>
+      </p:sp>
+      <p:pic>
+        <p:nvPicPr>
+          <p:cNvPr id="1026" name="Picture 2" descr="A simple introduction to Test Driven Development with Python">
             <a:extLst>
               <a:ext uri="{FF2B5EF4-FFF2-40B4-BE49-F238E27FC236}">
-                <a16:creationId xmlns:a16="http://schemas.microsoft.com/office/drawing/2014/main" id="{C94F8723-7774-1F0D-3E13-64D2C754ECCF}"/>
-              </a:ext>
-            </a:extLst>
-          </p:cNvPr>
-          <p:cNvSpPr>
-            <a:spLocks noGrp="1"/>
-          </p:cNvSpPr>
-          <p:nvPr>
-            <p:ph type="title"/>
-          </p:nvPr>
-        </p:nvSpPr>
-        <p:spPr>
-          <a:xfrm>
-            <a:off x="1451579" y="804519"/>
-            <a:ext cx="9603275" cy="1049235"/>
-          </a:xfrm>
-        </p:spPr>
-        <p:txBody>
-          <a:bodyPr>
-            <a:normAutofit/>
-          </a:bodyPr>
-          <a:lstStyle/>
-          <a:p>
-            <a:r>
-              <a:rPr lang="en-US" dirty="0"/>
-              <a:t>Test Driven Refactoring</a:t>
-            </a:r>
-          </a:p>
-        </p:txBody>
-      </p:sp>
-      <p:sp>
-        <p:nvSpPr>
-          <p:cNvPr id="3" name="Content Placeholder 2">
-            <a:extLst>
-              <a:ext uri="{FF2B5EF4-FFF2-40B4-BE49-F238E27FC236}">
-                <a16:creationId xmlns:a16="http://schemas.microsoft.com/office/drawing/2014/main" id="{F3395F8D-976F-542E-5AC9-BD5570125DFC}"/>
-              </a:ext>
-            </a:extLst>
-          </p:cNvPr>
-          <p:cNvSpPr>
-            <a:spLocks noGrp="1"/>
-          </p:cNvSpPr>
-          <p:nvPr>
-            <p:ph idx="1"/>
-          </p:nvPr>
-        </p:nvSpPr>
-        <p:spPr>
-          <a:xfrm>
-            <a:off x="420131" y="2015734"/>
-            <a:ext cx="5832388" cy="4037747"/>
-          </a:xfrm>
-        </p:spPr>
-        <p:txBody>
-          <a:bodyPr>
-            <a:normAutofit/>
-          </a:bodyPr>
-          <a:lstStyle/>
-          <a:p>
-            <a:r>
-              <a:rPr lang="en-US" dirty="0"/>
-              <a:t>Test-driven development fits well with refactoring your code. </a:t>
-            </a:r>
-          </a:p>
-          <a:p>
-            <a:r>
-              <a:rPr lang="en-US" dirty="0"/>
-              <a:t>We can constantly rerun our tests as we change things in refactoring. </a:t>
-            </a:r>
-          </a:p>
-          <a:p>
-            <a:pPr lvl="1"/>
-            <a:r>
-              <a:rPr lang="en-US" dirty="0"/>
-              <a:t>Lowers the “risk” of refactoring, as it’s easy to know things still work. </a:t>
-            </a:r>
-          </a:p>
-          <a:p>
-            <a:pPr lvl="1"/>
-            <a:r>
-              <a:rPr lang="en-US" dirty="0"/>
-              <a:t>Note: for things with large datasets, it is probably good to take a sample for frequent tests. </a:t>
-            </a:r>
-          </a:p>
-          <a:p>
-            <a:r>
-              <a:rPr lang="en-US" dirty="0"/>
-              <a:t>Also works with Agile ideas – constantly working code that is constantly improving. </a:t>
-            </a:r>
-          </a:p>
-        </p:txBody>
-      </p:sp>
-      <p:pic>
-        <p:nvPicPr>
-          <p:cNvPr id="4098" name="Picture 2" descr="Introduction to TDD &amp; BDD | Cucumber Blog">
-            <a:extLst>
-              <a:ext uri="{FF2B5EF4-FFF2-40B4-BE49-F238E27FC236}">
-                <a16:creationId xmlns:a16="http://schemas.microsoft.com/office/drawing/2014/main" id="{E51D52A6-9826-80DF-33B9-B60DE70CD01E}"/>
+                <a16:creationId xmlns:a16="http://schemas.microsoft.com/office/drawing/2014/main" id="{47665267-EA76-2118-7C36-024DADAF050F}"/>
               </a:ext>
             </a:extLst>
           </p:cNvPr>
@@ -5231,7 +5637,7 @@
           </p:cNvPicPr>
           <p:nvPr/>
         </p:nvPicPr>
-        <p:blipFill rotWithShape="1">
+        <p:blipFill>
           <a:blip r:embed="rId2">
             <a:extLst>
               <a:ext uri="{28A0092B-C50C-407E-A947-70E740481C1C}">
@@ -5239,13 +5645,15 @@
               </a:ext>
             </a:extLst>
           </a:blip>
-          <a:srcRect l="17368" t="8230" r="14414" b="18001"/>
-          <a:stretch/>
+          <a:srcRect/>
+          <a:stretch>
+            <a:fillRect/>
+          </a:stretch>
         </p:blipFill>
         <p:spPr bwMode="auto">
           <a:xfrm>
-            <a:off x="6376086" y="2015734"/>
-            <a:ext cx="5708822" cy="4629990"/>
+            <a:off x="1016000" y="1670050"/>
+            <a:ext cx="10160000" cy="3517900"/>
           </a:xfrm>
           <a:prstGeom prst="rect">
             <a:avLst/>
@@ -5265,7 +5673,141 @@
     </p:spTree>
     <p:extLst>
       <p:ext uri="{BB962C8B-B14F-4D97-AF65-F5344CB8AC3E}">
-        <p14:creationId xmlns:p14="http://schemas.microsoft.com/office/powerpoint/2010/main" val="2813024453"/>
+        <p14:creationId xmlns:p14="http://schemas.microsoft.com/office/powerpoint/2010/main" val="3625008055"/>
+      </p:ext>
+    </p:extLst>
+  </p:cSld>
+  <p:clrMapOvr>
+    <a:masterClrMapping/>
+  </p:clrMapOvr>
+</p:sld>
+</file>
+
+<file path=ppt/slides/slide9.xml><?xml version="1.0" encoding="utf-8"?>
+<p:sld xmlns:a="http://schemas.openxmlformats.org/drawingml/2006/main" xmlns:r="http://schemas.openxmlformats.org/officeDocument/2006/relationships" xmlns:p="http://schemas.openxmlformats.org/presentationml/2006/main">
+  <p:cSld>
+    <p:spTree>
+      <p:nvGrpSpPr>
+        <p:cNvPr id="1" name=""/>
+        <p:cNvGrpSpPr/>
+        <p:nvPr/>
+      </p:nvGrpSpPr>
+      <p:grpSpPr>
+        <a:xfrm>
+          <a:off x="0" y="0"/>
+          <a:ext cx="0" cy="0"/>
+          <a:chOff x="0" y="0"/>
+          <a:chExt cx="0" cy="0"/>
+        </a:xfrm>
+      </p:grpSpPr>
+      <p:sp>
+        <p:nvSpPr>
+          <p:cNvPr id="2" name="Title 1">
+            <a:extLst>
+              <a:ext uri="{FF2B5EF4-FFF2-40B4-BE49-F238E27FC236}">
+                <a16:creationId xmlns:a16="http://schemas.microsoft.com/office/drawing/2014/main" id="{51BF5728-7469-007C-C481-6265F038BEE1}"/>
+              </a:ext>
+            </a:extLst>
+          </p:cNvPr>
+          <p:cNvSpPr>
+            <a:spLocks noGrp="1"/>
+          </p:cNvSpPr>
+          <p:nvPr>
+            <p:ph type="title"/>
+          </p:nvPr>
+        </p:nvSpPr>
+        <p:spPr/>
+        <p:txBody>
+          <a:bodyPr/>
+          <a:lstStyle/>
+          <a:p>
+            <a:r>
+              <a:rPr lang="en-US" dirty="0" err="1"/>
+              <a:t>Github</a:t>
+            </a:r>
+            <a:r>
+              <a:rPr lang="en-US" dirty="0"/>
+              <a:t> Actions Based Testing</a:t>
+            </a:r>
+          </a:p>
+        </p:txBody>
+      </p:sp>
+      <p:sp>
+        <p:nvSpPr>
+          <p:cNvPr id="3" name="Content Placeholder 2">
+            <a:extLst>
+              <a:ext uri="{FF2B5EF4-FFF2-40B4-BE49-F238E27FC236}">
+                <a16:creationId xmlns:a16="http://schemas.microsoft.com/office/drawing/2014/main" id="{47E3F7F6-1AB7-90AE-62D3-99F97C1B8ECD}"/>
+              </a:ext>
+            </a:extLst>
+          </p:cNvPr>
+          <p:cNvSpPr>
+            <a:spLocks noGrp="1"/>
+          </p:cNvSpPr>
+          <p:nvPr>
+            <p:ph idx="1"/>
+          </p:nvPr>
+        </p:nvSpPr>
+        <p:spPr/>
+        <p:txBody>
+          <a:bodyPr/>
+          <a:lstStyle/>
+          <a:p>
+            <a:endParaRPr lang="en-US"/>
+          </a:p>
+        </p:txBody>
+      </p:sp>
+      <p:pic>
+        <p:nvPicPr>
+          <p:cNvPr id="6146" name="Picture 2" descr="Coveralls Python · Actions · GitHub Marketplace · GitHub">
+            <a:extLst>
+              <a:ext uri="{FF2B5EF4-FFF2-40B4-BE49-F238E27FC236}">
+                <a16:creationId xmlns:a16="http://schemas.microsoft.com/office/drawing/2014/main" id="{05B75D90-57C6-D902-1B01-7FBDCCAA5FAA}"/>
+              </a:ext>
+            </a:extLst>
+          </p:cNvPr>
+          <p:cNvPicPr>
+            <a:picLocks noChangeAspect="1" noChangeArrowheads="1"/>
+          </p:cNvPicPr>
+          <p:nvPr/>
+        </p:nvPicPr>
+        <p:blipFill>
+          <a:blip r:embed="rId2">
+            <a:extLst>
+              <a:ext uri="{28A0092B-C50C-407E-A947-70E740481C1C}">
+                <a14:useLocalDpi xmlns:a14="http://schemas.microsoft.com/office/drawing/2010/main" val="0"/>
+              </a:ext>
+            </a:extLst>
+          </a:blip>
+          <a:srcRect/>
+          <a:stretch>
+            <a:fillRect/>
+          </a:stretch>
+        </p:blipFill>
+        <p:spPr bwMode="auto">
+          <a:xfrm>
+            <a:off x="1752600" y="2015732"/>
+            <a:ext cx="8686800" cy="3594100"/>
+          </a:xfrm>
+          <a:prstGeom prst="rect">
+            <a:avLst/>
+          </a:prstGeom>
+          <a:noFill/>
+          <a:extLst>
+            <a:ext uri="{909E8E84-426E-40DD-AFC4-6F175D3DCCD1}">
+              <a14:hiddenFill xmlns:a14="http://schemas.microsoft.com/office/drawing/2010/main">
+                <a:solidFill>
+                  <a:srgbClr val="FFFFFF"/>
+                </a:solidFill>
+              </a14:hiddenFill>
+            </a:ext>
+          </a:extLst>
+        </p:spPr>
+      </p:pic>
+    </p:spTree>
+    <p:extLst>
+      <p:ext uri="{BB962C8B-B14F-4D97-AF65-F5344CB8AC3E}">
+        <p14:creationId xmlns:p14="http://schemas.microsoft.com/office/powerpoint/2010/main" val="3188762410"/>
       </p:ext>
     </p:extLst>
   </p:cSld>

--- a/course_material/slides/019_test_driven.pptx
+++ b/course_material/slides/019_test_driven.pptx
@@ -5,21 +5,22 @@
     <p:sldMasterId id="2147483660" r:id="rId1"/>
   </p:sldMasterIdLst>
   <p:sldIdLst>
-    <p:sldId id="256" r:id="rId2"/>
-    <p:sldId id="267" r:id="rId3"/>
-    <p:sldId id="268" r:id="rId4"/>
-    <p:sldId id="257" r:id="rId5"/>
-    <p:sldId id="265" r:id="rId6"/>
-    <p:sldId id="258" r:id="rId7"/>
-    <p:sldId id="264" r:id="rId8"/>
-    <p:sldId id="259" r:id="rId9"/>
-    <p:sldId id="269" r:id="rId10"/>
-    <p:sldId id="263" r:id="rId11"/>
-    <p:sldId id="260" r:id="rId12"/>
-    <p:sldId id="270" r:id="rId13"/>
-    <p:sldId id="261" r:id="rId14"/>
-    <p:sldId id="262" r:id="rId15"/>
-    <p:sldId id="266" r:id="rId16"/>
+    <p:sldId id="271" r:id="rId2"/>
+    <p:sldId id="256" r:id="rId3"/>
+    <p:sldId id="267" r:id="rId4"/>
+    <p:sldId id="268" r:id="rId5"/>
+    <p:sldId id="257" r:id="rId6"/>
+    <p:sldId id="265" r:id="rId7"/>
+    <p:sldId id="258" r:id="rId8"/>
+    <p:sldId id="264" r:id="rId9"/>
+    <p:sldId id="259" r:id="rId10"/>
+    <p:sldId id="269" r:id="rId11"/>
+    <p:sldId id="263" r:id="rId12"/>
+    <p:sldId id="260" r:id="rId13"/>
+    <p:sldId id="270" r:id="rId14"/>
+    <p:sldId id="261" r:id="rId15"/>
+    <p:sldId id="262" r:id="rId16"/>
+    <p:sldId id="266" r:id="rId17"/>
   </p:sldIdLst>
   <p:sldSz cx="12192000" cy="6858000"/>
   <p:notesSz cx="6858000" cy="9144000"/>
@@ -3639,7 +3640,7 @@
           <p:cNvPr id="2" name="Title 1">
             <a:extLst>
               <a:ext uri="{FF2B5EF4-FFF2-40B4-BE49-F238E27FC236}">
-                <a16:creationId xmlns:a16="http://schemas.microsoft.com/office/drawing/2014/main" id="{F2944C17-8C30-4BEB-C82F-198D40D733D7}"/>
+                <a16:creationId xmlns:a16="http://schemas.microsoft.com/office/drawing/2014/main" id="{CE93E60E-4A22-7817-1E25-39198B38EF4F}"/>
               </a:ext>
             </a:extLst>
           </p:cNvPr>
@@ -3647,7 +3648,7 @@
             <a:spLocks noGrp="1"/>
           </p:cNvSpPr>
           <p:nvPr>
-            <p:ph type="ctrTitle"/>
+            <p:ph type="title"/>
           </p:nvPr>
         </p:nvSpPr>
         <p:spPr/>
@@ -3655,16 +3656,19 @@
           <a:bodyPr/>
           <a:lstStyle/>
           <a:p>
-            <a:endParaRPr lang="en-US"/>
-          </a:p>
-        </p:txBody>
-      </p:sp>
-      <p:sp>
-        <p:nvSpPr>
-          <p:cNvPr id="3" name="Subtitle 2">
+            <a:r>
+              <a:rPr lang="en-US" dirty="0"/>
+              <a:t>Housekeeping</a:t>
+            </a:r>
+          </a:p>
+        </p:txBody>
+      </p:sp>
+      <p:sp>
+        <p:nvSpPr>
+          <p:cNvPr id="3" name="Content Placeholder 2">
             <a:extLst>
               <a:ext uri="{FF2B5EF4-FFF2-40B4-BE49-F238E27FC236}">
-                <a16:creationId xmlns:a16="http://schemas.microsoft.com/office/drawing/2014/main" id="{B53D266A-F6BC-8F82-129A-3A383BD667F5}"/>
+                <a16:creationId xmlns:a16="http://schemas.microsoft.com/office/drawing/2014/main" id="{5B133B47-28D4-15B2-3F05-1EFAA195BCCA}"/>
               </a:ext>
             </a:extLst>
           </p:cNvPr>
@@ -3672,22 +3676,106 @@
             <a:spLocks noGrp="1"/>
           </p:cNvSpPr>
           <p:nvPr>
-            <p:ph type="subTitle" idx="1"/>
-          </p:nvPr>
-        </p:nvSpPr>
-        <p:spPr/>
-        <p:txBody>
-          <a:bodyPr/>
-          <a:lstStyle/>
-          <a:p>
-            <a:endParaRPr lang="en-US"/>
+            <p:ph idx="1"/>
+          </p:nvPr>
+        </p:nvSpPr>
+        <p:spPr>
+          <a:xfrm>
+            <a:off x="1451579" y="1853754"/>
+            <a:ext cx="9752449" cy="4273777"/>
+          </a:xfrm>
+        </p:spPr>
+        <p:txBody>
+          <a:bodyPr>
+            <a:normAutofit fontScale="92500" lnSpcReduction="20000"/>
+          </a:bodyPr>
+          <a:lstStyle/>
+          <a:p>
+            <a:r>
+              <a:rPr lang="en-US" dirty="0"/>
+              <a:t>Test:</a:t>
+            </a:r>
+          </a:p>
+          <a:p>
+            <a:pPr lvl="1"/>
+            <a:r>
+              <a:rPr lang="en-US" dirty="0"/>
+              <a:t>Probably a bit too easy, you all did very well. Please don’t paste real code in for pseudocode. </a:t>
+            </a:r>
+          </a:p>
+          <a:p>
+            <a:r>
+              <a:rPr lang="en-US" dirty="0"/>
+              <a:t>Lab 4: </a:t>
+            </a:r>
+          </a:p>
+          <a:p>
+            <a:pPr lvl="1"/>
+            <a:r>
+              <a:rPr lang="en-US" dirty="0"/>
+              <a:t>Solution in repository, I’ll look at it in a min. </a:t>
+            </a:r>
+          </a:p>
+          <a:p>
+            <a:pPr lvl="1"/>
+            <a:r>
+              <a:rPr lang="en-US" dirty="0"/>
+              <a:t>I have a few left to mark, mostly fine so far, some details like loop exit conditions were common. </a:t>
+            </a:r>
+          </a:p>
+          <a:p>
+            <a:r>
+              <a:rPr lang="en-US" dirty="0"/>
+              <a:t>Lab 5:</a:t>
+            </a:r>
+          </a:p>
+          <a:p>
+            <a:pPr lvl="1"/>
+            <a:r>
+              <a:rPr lang="en-US" dirty="0"/>
+              <a:t>I didn’t push the date back early enough, but I set it for this weekend. </a:t>
+            </a:r>
+          </a:p>
+          <a:p>
+            <a:pPr lvl="1"/>
+            <a:r>
+              <a:rPr lang="en-US" dirty="0"/>
+              <a:t>To compensate for that, I’ll make the lab marks best 5/6, so you have a throwaway. </a:t>
+            </a:r>
+          </a:p>
+          <a:p>
+            <a:r>
+              <a:rPr lang="en-US" dirty="0"/>
+              <a:t>Today – more software engineering in poker:</a:t>
+            </a:r>
+          </a:p>
+          <a:p>
+            <a:pPr lvl="1"/>
+            <a:r>
+              <a:rPr lang="en-US" dirty="0"/>
+              <a:t>Test driven development basics. </a:t>
+            </a:r>
+          </a:p>
+          <a:p>
+            <a:pPr lvl="1"/>
+            <a:r>
+              <a:rPr lang="en-US" dirty="0"/>
+              <a:t>Importing files. </a:t>
+            </a:r>
+          </a:p>
+          <a:p>
+            <a:pPr lvl="1"/>
+            <a:r>
+              <a:rPr lang="en-US" dirty="0"/>
+              <a:t>Intro to refactoring (mainly for a bit later). </a:t>
+            </a:r>
           </a:p>
         </p:txBody>
       </p:sp>
     </p:spTree>
     <p:extLst>
       <p:ext uri="{BB962C8B-B14F-4D97-AF65-F5344CB8AC3E}">
-        <p14:creationId xmlns:p14="http://schemas.microsoft.com/office/powerpoint/2010/main" val="30393742"/>
+        <p14:creationId xmlns:p14="http://schemas.microsoft.com/office/powerpoint/2010/main" val="2831790534"/>
       </p:ext>
     </p:extLst>
   </p:cSld>
@@ -3698,6 +3786,140 @@
 </file>
 
 <file path=ppt/slides/slide10.xml><?xml version="1.0" encoding="utf-8"?>
+<p:sld xmlns:a="http://schemas.openxmlformats.org/drawingml/2006/main" xmlns:r="http://schemas.openxmlformats.org/officeDocument/2006/relationships" xmlns:p="http://schemas.openxmlformats.org/presentationml/2006/main">
+  <p:cSld>
+    <p:spTree>
+      <p:nvGrpSpPr>
+        <p:cNvPr id="1" name=""/>
+        <p:cNvGrpSpPr/>
+        <p:nvPr/>
+      </p:nvGrpSpPr>
+      <p:grpSpPr>
+        <a:xfrm>
+          <a:off x="0" y="0"/>
+          <a:ext cx="0" cy="0"/>
+          <a:chOff x="0" y="0"/>
+          <a:chExt cx="0" cy="0"/>
+        </a:xfrm>
+      </p:grpSpPr>
+      <p:sp>
+        <p:nvSpPr>
+          <p:cNvPr id="2" name="Title 1">
+            <a:extLst>
+              <a:ext uri="{FF2B5EF4-FFF2-40B4-BE49-F238E27FC236}">
+                <a16:creationId xmlns:a16="http://schemas.microsoft.com/office/drawing/2014/main" id="{51BF5728-7469-007C-C481-6265F038BEE1}"/>
+              </a:ext>
+            </a:extLst>
+          </p:cNvPr>
+          <p:cNvSpPr>
+            <a:spLocks noGrp="1"/>
+          </p:cNvSpPr>
+          <p:nvPr>
+            <p:ph type="title"/>
+          </p:nvPr>
+        </p:nvSpPr>
+        <p:spPr/>
+        <p:txBody>
+          <a:bodyPr/>
+          <a:lstStyle/>
+          <a:p>
+            <a:r>
+              <a:rPr lang="en-US" dirty="0" err="1"/>
+              <a:t>Github</a:t>
+            </a:r>
+            <a:r>
+              <a:rPr lang="en-US" dirty="0"/>
+              <a:t> Actions Based Testing</a:t>
+            </a:r>
+          </a:p>
+        </p:txBody>
+      </p:sp>
+      <p:sp>
+        <p:nvSpPr>
+          <p:cNvPr id="3" name="Content Placeholder 2">
+            <a:extLst>
+              <a:ext uri="{FF2B5EF4-FFF2-40B4-BE49-F238E27FC236}">
+                <a16:creationId xmlns:a16="http://schemas.microsoft.com/office/drawing/2014/main" id="{47E3F7F6-1AB7-90AE-62D3-99F97C1B8ECD}"/>
+              </a:ext>
+            </a:extLst>
+          </p:cNvPr>
+          <p:cNvSpPr>
+            <a:spLocks noGrp="1"/>
+          </p:cNvSpPr>
+          <p:nvPr>
+            <p:ph idx="1"/>
+          </p:nvPr>
+        </p:nvSpPr>
+        <p:spPr/>
+        <p:txBody>
+          <a:bodyPr/>
+          <a:lstStyle/>
+          <a:p>
+            <a:endParaRPr lang="en-US"/>
+          </a:p>
+        </p:txBody>
+      </p:sp>
+      <p:pic>
+        <p:nvPicPr>
+          <p:cNvPr id="6146" name="Picture 2" descr="Coveralls Python · Actions · GitHub Marketplace · GitHub">
+            <a:extLst>
+              <a:ext uri="{FF2B5EF4-FFF2-40B4-BE49-F238E27FC236}">
+                <a16:creationId xmlns:a16="http://schemas.microsoft.com/office/drawing/2014/main" id="{05B75D90-57C6-D902-1B01-7FBDCCAA5FAA}"/>
+              </a:ext>
+            </a:extLst>
+          </p:cNvPr>
+          <p:cNvPicPr>
+            <a:picLocks noChangeAspect="1" noChangeArrowheads="1"/>
+          </p:cNvPicPr>
+          <p:nvPr/>
+        </p:nvPicPr>
+        <p:blipFill>
+          <a:blip r:embed="rId2">
+            <a:extLst>
+              <a:ext uri="{28A0092B-C50C-407E-A947-70E740481C1C}">
+                <a14:useLocalDpi xmlns:a14="http://schemas.microsoft.com/office/drawing/2010/main" val="0"/>
+              </a:ext>
+            </a:extLst>
+          </a:blip>
+          <a:srcRect/>
+          <a:stretch>
+            <a:fillRect/>
+          </a:stretch>
+        </p:blipFill>
+        <p:spPr bwMode="auto">
+          <a:xfrm>
+            <a:off x="1752600" y="2015732"/>
+            <a:ext cx="8686800" cy="3594100"/>
+          </a:xfrm>
+          <a:prstGeom prst="rect">
+            <a:avLst/>
+          </a:prstGeom>
+          <a:noFill/>
+          <a:extLst>
+            <a:ext uri="{909E8E84-426E-40DD-AFC4-6F175D3DCCD1}">
+              <a14:hiddenFill xmlns:a14="http://schemas.microsoft.com/office/drawing/2010/main">
+                <a:solidFill>
+                  <a:srgbClr val="FFFFFF"/>
+                </a:solidFill>
+              </a14:hiddenFill>
+            </a:ext>
+          </a:extLst>
+        </p:spPr>
+      </p:pic>
+    </p:spTree>
+    <p:extLst>
+      <p:ext uri="{BB962C8B-B14F-4D97-AF65-F5344CB8AC3E}">
+        <p14:creationId xmlns:p14="http://schemas.microsoft.com/office/powerpoint/2010/main" val="3188762410"/>
+      </p:ext>
+    </p:extLst>
+  </p:cSld>
+  <p:clrMapOvr>
+    <a:masterClrMapping/>
+  </p:clrMapOvr>
+</p:sld>
+</file>
+
+<file path=ppt/slides/slide11.xml><?xml version="1.0" encoding="utf-8"?>
 <p:sld xmlns:a="http://schemas.openxmlformats.org/drawingml/2006/main" xmlns:r="http://schemas.openxmlformats.org/officeDocument/2006/relationships" xmlns:p="http://schemas.openxmlformats.org/presentationml/2006/main">
   <p:cSld>
     <p:bg>
@@ -3897,7 +4119,7 @@
 </p:sld>
 </file>
 
-<file path=ppt/slides/slide11.xml><?xml version="1.0" encoding="utf-8"?>
+<file path=ppt/slides/slide12.xml><?xml version="1.0" encoding="utf-8"?>
 <p:sld xmlns:a="http://schemas.openxmlformats.org/drawingml/2006/main" xmlns:r="http://schemas.openxmlformats.org/officeDocument/2006/relationships" xmlns:p="http://schemas.openxmlformats.org/presentationml/2006/main">
   <p:cSld>
     <p:spTree>
@@ -4042,7 +4264,7 @@
 </p:sld>
 </file>
 
-<file path=ppt/slides/slide12.xml><?xml version="1.0" encoding="utf-8"?>
+<file path=ppt/slides/slide13.xml><?xml version="1.0" encoding="utf-8"?>
 <p:sld xmlns:a="http://schemas.openxmlformats.org/drawingml/2006/main" xmlns:r="http://schemas.openxmlformats.org/officeDocument/2006/relationships" xmlns:p="http://schemas.openxmlformats.org/presentationml/2006/main">
   <p:cSld>
     <p:spTree>
@@ -4169,7 +4391,7 @@
 </p:sld>
 </file>
 
-<file path=ppt/slides/slide13.xml><?xml version="1.0" encoding="utf-8"?>
+<file path=ppt/slides/slide14.xml><?xml version="1.0" encoding="utf-8"?>
 <p:sld xmlns:a="http://schemas.openxmlformats.org/drawingml/2006/main" xmlns:r="http://schemas.openxmlformats.org/officeDocument/2006/relationships" xmlns:p="http://schemas.openxmlformats.org/presentationml/2006/main">
   <p:cSld>
     <p:bg>
@@ -4371,7 +4593,7 @@
 </p:sld>
 </file>
 
-<file path=ppt/slides/slide14.xml><?xml version="1.0" encoding="utf-8"?>
+<file path=ppt/slides/slide15.xml><?xml version="1.0" encoding="utf-8"?>
 <p:sld xmlns:a="http://schemas.openxmlformats.org/drawingml/2006/main" xmlns:r="http://schemas.openxmlformats.org/officeDocument/2006/relationships" xmlns:p="http://schemas.openxmlformats.org/presentationml/2006/main">
   <p:cSld>
     <p:spTree>
@@ -4533,7 +4755,7 @@
 </p:sld>
 </file>
 
-<file path=ppt/slides/slide15.xml><?xml version="1.0" encoding="utf-8"?>
+<file path=ppt/slides/slide16.xml><?xml version="1.0" encoding="utf-8"?>
 <p:sld xmlns:a="http://schemas.openxmlformats.org/drawingml/2006/main" xmlns:r="http://schemas.openxmlformats.org/officeDocument/2006/relationships" xmlns:p="http://schemas.openxmlformats.org/presentationml/2006/main">
   <p:cSld>
     <p:spTree>
@@ -4707,6 +4929,89 @@
           <p:cNvPr id="2" name="Title 1">
             <a:extLst>
               <a:ext uri="{FF2B5EF4-FFF2-40B4-BE49-F238E27FC236}">
+                <a16:creationId xmlns:a16="http://schemas.microsoft.com/office/drawing/2014/main" id="{F2944C17-8C30-4BEB-C82F-198D40D733D7}"/>
+              </a:ext>
+            </a:extLst>
+          </p:cNvPr>
+          <p:cNvSpPr>
+            <a:spLocks noGrp="1"/>
+          </p:cNvSpPr>
+          <p:nvPr>
+            <p:ph type="ctrTitle"/>
+          </p:nvPr>
+        </p:nvSpPr>
+        <p:spPr/>
+        <p:txBody>
+          <a:bodyPr/>
+          <a:lstStyle/>
+          <a:p>
+            <a:r>
+              <a:rPr lang="en-US" dirty="0"/>
+              <a:t>Test Driven Development </a:t>
+            </a:r>
+          </a:p>
+        </p:txBody>
+      </p:sp>
+      <p:sp>
+        <p:nvSpPr>
+          <p:cNvPr id="3" name="Subtitle 2">
+            <a:extLst>
+              <a:ext uri="{FF2B5EF4-FFF2-40B4-BE49-F238E27FC236}">
+                <a16:creationId xmlns:a16="http://schemas.microsoft.com/office/drawing/2014/main" id="{B53D266A-F6BC-8F82-129A-3A383BD667F5}"/>
+              </a:ext>
+            </a:extLst>
+          </p:cNvPr>
+          <p:cNvSpPr>
+            <a:spLocks noGrp="1"/>
+          </p:cNvSpPr>
+          <p:nvPr>
+            <p:ph type="subTitle" idx="1"/>
+          </p:nvPr>
+        </p:nvSpPr>
+        <p:spPr/>
+        <p:txBody>
+          <a:bodyPr/>
+          <a:lstStyle/>
+          <a:p>
+            <a:endParaRPr lang="en-US"/>
+          </a:p>
+        </p:txBody>
+      </p:sp>
+    </p:spTree>
+    <p:extLst>
+      <p:ext uri="{BB962C8B-B14F-4D97-AF65-F5344CB8AC3E}">
+        <p14:creationId xmlns:p14="http://schemas.microsoft.com/office/powerpoint/2010/main" val="30393742"/>
+      </p:ext>
+    </p:extLst>
+  </p:cSld>
+  <p:clrMapOvr>
+    <a:masterClrMapping/>
+  </p:clrMapOvr>
+</p:sld>
+</file>
+
+<file path=ppt/slides/slide3.xml><?xml version="1.0" encoding="utf-8"?>
+<p:sld xmlns:a="http://schemas.openxmlformats.org/drawingml/2006/main" xmlns:r="http://schemas.openxmlformats.org/officeDocument/2006/relationships" xmlns:p="http://schemas.openxmlformats.org/presentationml/2006/main">
+  <p:cSld>
+    <p:spTree>
+      <p:nvGrpSpPr>
+        <p:cNvPr id="1" name=""/>
+        <p:cNvGrpSpPr/>
+        <p:nvPr/>
+      </p:nvGrpSpPr>
+      <p:grpSpPr>
+        <a:xfrm>
+          <a:off x="0" y="0"/>
+          <a:ext cx="0" cy="0"/>
+          <a:chOff x="0" y="0"/>
+          <a:chExt cx="0" cy="0"/>
+        </a:xfrm>
+      </p:grpSpPr>
+      <p:sp>
+        <p:nvSpPr>
+          <p:cNvPr id="2" name="Title 1">
+            <a:extLst>
+              <a:ext uri="{FF2B5EF4-FFF2-40B4-BE49-F238E27FC236}">
                 <a16:creationId xmlns:a16="http://schemas.microsoft.com/office/drawing/2014/main" id="{26574B23-1BDB-8420-1BA4-10481C83A4E9}"/>
               </a:ext>
             </a:extLst>
@@ -4831,7 +5136,7 @@
 </p:sld>
 </file>
 
-<file path=ppt/slides/slide3.xml><?xml version="1.0" encoding="utf-8"?>
+<file path=ppt/slides/slide4.xml><?xml version="1.0" encoding="utf-8"?>
 <p:sld xmlns:a="http://schemas.openxmlformats.org/drawingml/2006/main" xmlns:r="http://schemas.openxmlformats.org/officeDocument/2006/relationships" xmlns:p="http://schemas.openxmlformats.org/presentationml/2006/main">
   <p:cSld>
     <p:spTree>
@@ -4941,7 +5246,7 @@
 </p:sld>
 </file>
 
-<file path=ppt/slides/slide4.xml><?xml version="1.0" encoding="utf-8"?>
+<file path=ppt/slides/slide5.xml><?xml version="1.0" encoding="utf-8"?>
 <p:sld xmlns:a="http://schemas.openxmlformats.org/drawingml/2006/main" xmlns:r="http://schemas.openxmlformats.org/officeDocument/2006/relationships" xmlns:p="http://schemas.openxmlformats.org/presentationml/2006/main">
   <p:cSld>
     <p:spTree>
@@ -5048,7 +5353,7 @@
 </p:sld>
 </file>
 
-<file path=ppt/slides/slide5.xml><?xml version="1.0" encoding="utf-8"?>
+<file path=ppt/slides/slide6.xml><?xml version="1.0" encoding="utf-8"?>
 <p:sld xmlns:a="http://schemas.openxmlformats.org/drawingml/2006/main" xmlns:r="http://schemas.openxmlformats.org/officeDocument/2006/relationships" xmlns:p="http://schemas.openxmlformats.org/presentationml/2006/main">
   <p:cSld>
     <p:bg>
@@ -5249,153 +5554,6 @@
 </p:sld>
 </file>
 
-<file path=ppt/slides/slide6.xml><?xml version="1.0" encoding="utf-8"?>
-<p:sld xmlns:a="http://schemas.openxmlformats.org/drawingml/2006/main" xmlns:r="http://schemas.openxmlformats.org/officeDocument/2006/relationships" xmlns:p="http://schemas.openxmlformats.org/presentationml/2006/main">
-  <p:cSld>
-    <p:spTree>
-      <p:nvGrpSpPr>
-        <p:cNvPr id="1" name=""/>
-        <p:cNvGrpSpPr/>
-        <p:nvPr/>
-      </p:nvGrpSpPr>
-      <p:grpSpPr>
-        <a:xfrm>
-          <a:off x="0" y="0"/>
-          <a:ext cx="0" cy="0"/>
-          <a:chOff x="0" y="0"/>
-          <a:chExt cx="0" cy="0"/>
-        </a:xfrm>
-      </p:grpSpPr>
-      <p:sp>
-        <p:nvSpPr>
-          <p:cNvPr id="2" name="Title 1">
-            <a:extLst>
-              <a:ext uri="{FF2B5EF4-FFF2-40B4-BE49-F238E27FC236}">
-                <a16:creationId xmlns:a16="http://schemas.microsoft.com/office/drawing/2014/main" id="{0DA54600-95DF-1482-1EC2-6DAE1B743403}"/>
-              </a:ext>
-            </a:extLst>
-          </p:cNvPr>
-          <p:cNvSpPr>
-            <a:spLocks noGrp="1"/>
-          </p:cNvSpPr>
-          <p:nvPr>
-            <p:ph type="title"/>
-          </p:nvPr>
-        </p:nvSpPr>
-        <p:spPr/>
-        <p:txBody>
-          <a:bodyPr/>
-          <a:lstStyle/>
-          <a:p>
-            <a:r>
-              <a:rPr lang="en-US" dirty="0"/>
-              <a:t>Test Driven Development - Test First</a:t>
-            </a:r>
-          </a:p>
-        </p:txBody>
-      </p:sp>
-      <p:sp>
-        <p:nvSpPr>
-          <p:cNvPr id="3" name="Content Placeholder 2">
-            <a:extLst>
-              <a:ext uri="{FF2B5EF4-FFF2-40B4-BE49-F238E27FC236}">
-                <a16:creationId xmlns:a16="http://schemas.microsoft.com/office/drawing/2014/main" id="{94CFC9C4-02C2-9878-A974-81930ACC0340}"/>
-              </a:ext>
-            </a:extLst>
-          </p:cNvPr>
-          <p:cNvSpPr>
-            <a:spLocks noGrp="1"/>
-          </p:cNvSpPr>
-          <p:nvPr>
-            <p:ph idx="1"/>
-          </p:nvPr>
-        </p:nvSpPr>
-        <p:spPr>
-          <a:xfrm>
-            <a:off x="1292773" y="1853754"/>
-            <a:ext cx="9762082" cy="4299911"/>
-          </a:xfrm>
-        </p:spPr>
-        <p:txBody>
-          <a:bodyPr>
-            <a:normAutofit/>
-          </a:bodyPr>
-          <a:lstStyle/>
-          <a:p>
-            <a:r>
-              <a:rPr lang="en-US" dirty="0"/>
-              <a:t>One strategy that we can use is to build tests in advance of actual coding. </a:t>
-            </a:r>
-          </a:p>
-          <a:p>
-            <a:r>
-              <a:rPr lang="en-US" dirty="0"/>
-              <a:t>Test driven development starts with defining what “good enough” is. </a:t>
-            </a:r>
-          </a:p>
-          <a:p>
-            <a:pPr lvl="1"/>
-            <a:r>
-              <a:rPr lang="en-US" dirty="0"/>
-              <a:t>Anything that passes the test is satisfactory. </a:t>
-            </a:r>
-          </a:p>
-          <a:p>
-            <a:pPr lvl="1"/>
-            <a:r>
-              <a:rPr lang="en-US" dirty="0"/>
-              <a:t>As long as the test is complete, this will give a correct result. </a:t>
-            </a:r>
-          </a:p>
-          <a:p>
-            <a:pPr lvl="1"/>
-            <a:r>
-              <a:rPr lang="en-US" dirty="0"/>
-              <a:t>Works for an individual function, subprocess, or entire program – just with different tests. </a:t>
-            </a:r>
-          </a:p>
-          <a:p>
-            <a:r>
-              <a:rPr lang="en-US" dirty="0"/>
-              <a:t>Build a testing harness that checks what a function needs to do, then work on something that will meet those needs. </a:t>
-            </a:r>
-          </a:p>
-          <a:p>
-            <a:pPr lvl="1"/>
-            <a:r>
-              <a:rPr lang="en-US" dirty="0"/>
-              <a:t>The process of thinking about all the pass/fail scenarios can also be valuable. </a:t>
-            </a:r>
-          </a:p>
-          <a:p>
-            <a:pPr lvl="1"/>
-            <a:r>
-              <a:rPr lang="en-US" dirty="0"/>
-              <a:t>Makes it much easier to distribute tasks, or even outsource work to others. </a:t>
-            </a:r>
-          </a:p>
-          <a:p>
-            <a:pPr lvl="1"/>
-            <a:r>
-              <a:rPr lang="en-US" dirty="0"/>
-              <a:t>We can layer these tests as we work, allowing us to test parts or the whole easily. </a:t>
-            </a:r>
-          </a:p>
-        </p:txBody>
-      </p:sp>
-    </p:spTree>
-    <p:extLst>
-      <p:ext uri="{BB962C8B-B14F-4D97-AF65-F5344CB8AC3E}">
-        <p14:creationId xmlns:p14="http://schemas.microsoft.com/office/powerpoint/2010/main" val="4281455928"/>
-      </p:ext>
-    </p:extLst>
-  </p:cSld>
-  <p:clrMapOvr>
-    <a:masterClrMapping/>
-  </p:clrMapOvr>
-</p:sld>
-</file>
-
 <file path=ppt/slides/slide7.xml><?xml version="1.0" encoding="utf-8"?>
 <p:sld xmlns:a="http://schemas.openxmlformats.org/drawingml/2006/main" xmlns:r="http://schemas.openxmlformats.org/officeDocument/2006/relationships" xmlns:p="http://schemas.openxmlformats.org/presentationml/2006/main">
   <p:cSld>
@@ -5418,6 +5576,153 @@
           <p:cNvPr id="2" name="Title 1">
             <a:extLst>
               <a:ext uri="{FF2B5EF4-FFF2-40B4-BE49-F238E27FC236}">
+                <a16:creationId xmlns:a16="http://schemas.microsoft.com/office/drawing/2014/main" id="{0DA54600-95DF-1482-1EC2-6DAE1B743403}"/>
+              </a:ext>
+            </a:extLst>
+          </p:cNvPr>
+          <p:cNvSpPr>
+            <a:spLocks noGrp="1"/>
+          </p:cNvSpPr>
+          <p:nvPr>
+            <p:ph type="title"/>
+          </p:nvPr>
+        </p:nvSpPr>
+        <p:spPr/>
+        <p:txBody>
+          <a:bodyPr/>
+          <a:lstStyle/>
+          <a:p>
+            <a:r>
+              <a:rPr lang="en-US" dirty="0"/>
+              <a:t>Test Driven Development - Test First</a:t>
+            </a:r>
+          </a:p>
+        </p:txBody>
+      </p:sp>
+      <p:sp>
+        <p:nvSpPr>
+          <p:cNvPr id="3" name="Content Placeholder 2">
+            <a:extLst>
+              <a:ext uri="{FF2B5EF4-FFF2-40B4-BE49-F238E27FC236}">
+                <a16:creationId xmlns:a16="http://schemas.microsoft.com/office/drawing/2014/main" id="{94CFC9C4-02C2-9878-A974-81930ACC0340}"/>
+              </a:ext>
+            </a:extLst>
+          </p:cNvPr>
+          <p:cNvSpPr>
+            <a:spLocks noGrp="1"/>
+          </p:cNvSpPr>
+          <p:nvPr>
+            <p:ph idx="1"/>
+          </p:nvPr>
+        </p:nvSpPr>
+        <p:spPr>
+          <a:xfrm>
+            <a:off x="1292773" y="1853754"/>
+            <a:ext cx="9762082" cy="4299911"/>
+          </a:xfrm>
+        </p:spPr>
+        <p:txBody>
+          <a:bodyPr>
+            <a:normAutofit/>
+          </a:bodyPr>
+          <a:lstStyle/>
+          <a:p>
+            <a:r>
+              <a:rPr lang="en-US" dirty="0"/>
+              <a:t>One strategy that we can use is to build tests in advance of actual coding. </a:t>
+            </a:r>
+          </a:p>
+          <a:p>
+            <a:r>
+              <a:rPr lang="en-US" dirty="0"/>
+              <a:t>Test driven development starts with defining what “good enough” is. </a:t>
+            </a:r>
+          </a:p>
+          <a:p>
+            <a:pPr lvl="1"/>
+            <a:r>
+              <a:rPr lang="en-US" dirty="0"/>
+              <a:t>Anything that passes the test is satisfactory. </a:t>
+            </a:r>
+          </a:p>
+          <a:p>
+            <a:pPr lvl="1"/>
+            <a:r>
+              <a:rPr lang="en-US" dirty="0"/>
+              <a:t>As long as the test is complete, this will give a correct result. </a:t>
+            </a:r>
+          </a:p>
+          <a:p>
+            <a:pPr lvl="1"/>
+            <a:r>
+              <a:rPr lang="en-US" dirty="0"/>
+              <a:t>Works for an individual function, subprocess, or entire program – just with different tests. </a:t>
+            </a:r>
+          </a:p>
+          <a:p>
+            <a:r>
+              <a:rPr lang="en-US" dirty="0"/>
+              <a:t>Build a testing harness that checks what a function needs to do, then work on something that will meet those needs. </a:t>
+            </a:r>
+          </a:p>
+          <a:p>
+            <a:pPr lvl="1"/>
+            <a:r>
+              <a:rPr lang="en-US" dirty="0"/>
+              <a:t>The process of thinking about all the pass/fail scenarios can also be valuable. </a:t>
+            </a:r>
+          </a:p>
+          <a:p>
+            <a:pPr lvl="1"/>
+            <a:r>
+              <a:rPr lang="en-US" dirty="0"/>
+              <a:t>Makes it much easier to distribute tasks, or even outsource work to others. </a:t>
+            </a:r>
+          </a:p>
+          <a:p>
+            <a:pPr lvl="1"/>
+            <a:r>
+              <a:rPr lang="en-US" dirty="0"/>
+              <a:t>We can layer these tests as we work, allowing us to test parts or the whole easily. </a:t>
+            </a:r>
+          </a:p>
+        </p:txBody>
+      </p:sp>
+    </p:spTree>
+    <p:extLst>
+      <p:ext uri="{BB962C8B-B14F-4D97-AF65-F5344CB8AC3E}">
+        <p14:creationId xmlns:p14="http://schemas.microsoft.com/office/powerpoint/2010/main" val="4281455928"/>
+      </p:ext>
+    </p:extLst>
+  </p:cSld>
+  <p:clrMapOvr>
+    <a:masterClrMapping/>
+  </p:clrMapOvr>
+</p:sld>
+</file>
+
+<file path=ppt/slides/slide8.xml><?xml version="1.0" encoding="utf-8"?>
+<p:sld xmlns:a="http://schemas.openxmlformats.org/drawingml/2006/main" xmlns:r="http://schemas.openxmlformats.org/officeDocument/2006/relationships" xmlns:p="http://schemas.openxmlformats.org/presentationml/2006/main">
+  <p:cSld>
+    <p:spTree>
+      <p:nvGrpSpPr>
+        <p:cNvPr id="1" name=""/>
+        <p:cNvGrpSpPr/>
+        <p:nvPr/>
+      </p:nvGrpSpPr>
+      <p:grpSpPr>
+        <a:xfrm>
+          <a:off x="0" y="0"/>
+          <a:ext cx="0" cy="0"/>
+          <a:chOff x="0" y="0"/>
+          <a:chExt cx="0" cy="0"/>
+        </a:xfrm>
+      </p:grpSpPr>
+      <p:sp>
+        <p:nvSpPr>
+          <p:cNvPr id="2" name="Title 1">
+            <a:extLst>
+              <a:ext uri="{FF2B5EF4-FFF2-40B4-BE49-F238E27FC236}">
                 <a16:creationId xmlns:a16="http://schemas.microsoft.com/office/drawing/2014/main" id="{8CFCBD88-87F0-386A-A73B-6851CF2688FB}"/>
               </a:ext>
             </a:extLst>
@@ -5556,7 +5861,7 @@
 </p:sld>
 </file>
 
-<file path=ppt/slides/slide8.xml><?xml version="1.0" encoding="utf-8"?>
+<file path=ppt/slides/slide9.xml><?xml version="1.0" encoding="utf-8"?>
 <p:sld xmlns:a="http://schemas.openxmlformats.org/drawingml/2006/main" xmlns:r="http://schemas.openxmlformats.org/officeDocument/2006/relationships" xmlns:p="http://schemas.openxmlformats.org/presentationml/2006/main">
   <p:cSld>
     <p:spTree>
@@ -5674,140 +5979,6 @@
     <p:extLst>
       <p:ext uri="{BB962C8B-B14F-4D97-AF65-F5344CB8AC3E}">
         <p14:creationId xmlns:p14="http://schemas.microsoft.com/office/powerpoint/2010/main" val="3625008055"/>
-      </p:ext>
-    </p:extLst>
-  </p:cSld>
-  <p:clrMapOvr>
-    <a:masterClrMapping/>
-  </p:clrMapOvr>
-</p:sld>
-</file>
-
-<file path=ppt/slides/slide9.xml><?xml version="1.0" encoding="utf-8"?>
-<p:sld xmlns:a="http://schemas.openxmlformats.org/drawingml/2006/main" xmlns:r="http://schemas.openxmlformats.org/officeDocument/2006/relationships" xmlns:p="http://schemas.openxmlformats.org/presentationml/2006/main">
-  <p:cSld>
-    <p:spTree>
-      <p:nvGrpSpPr>
-        <p:cNvPr id="1" name=""/>
-        <p:cNvGrpSpPr/>
-        <p:nvPr/>
-      </p:nvGrpSpPr>
-      <p:grpSpPr>
-        <a:xfrm>
-          <a:off x="0" y="0"/>
-          <a:ext cx="0" cy="0"/>
-          <a:chOff x="0" y="0"/>
-          <a:chExt cx="0" cy="0"/>
-        </a:xfrm>
-      </p:grpSpPr>
-      <p:sp>
-        <p:nvSpPr>
-          <p:cNvPr id="2" name="Title 1">
-            <a:extLst>
-              <a:ext uri="{FF2B5EF4-FFF2-40B4-BE49-F238E27FC236}">
-                <a16:creationId xmlns:a16="http://schemas.microsoft.com/office/drawing/2014/main" id="{51BF5728-7469-007C-C481-6265F038BEE1}"/>
-              </a:ext>
-            </a:extLst>
-          </p:cNvPr>
-          <p:cNvSpPr>
-            <a:spLocks noGrp="1"/>
-          </p:cNvSpPr>
-          <p:nvPr>
-            <p:ph type="title"/>
-          </p:nvPr>
-        </p:nvSpPr>
-        <p:spPr/>
-        <p:txBody>
-          <a:bodyPr/>
-          <a:lstStyle/>
-          <a:p>
-            <a:r>
-              <a:rPr lang="en-US" dirty="0" err="1"/>
-              <a:t>Github</a:t>
-            </a:r>
-            <a:r>
-              <a:rPr lang="en-US" dirty="0"/>
-              <a:t> Actions Based Testing</a:t>
-            </a:r>
-          </a:p>
-        </p:txBody>
-      </p:sp>
-      <p:sp>
-        <p:nvSpPr>
-          <p:cNvPr id="3" name="Content Placeholder 2">
-            <a:extLst>
-              <a:ext uri="{FF2B5EF4-FFF2-40B4-BE49-F238E27FC236}">
-                <a16:creationId xmlns:a16="http://schemas.microsoft.com/office/drawing/2014/main" id="{47E3F7F6-1AB7-90AE-62D3-99F97C1B8ECD}"/>
-              </a:ext>
-            </a:extLst>
-          </p:cNvPr>
-          <p:cNvSpPr>
-            <a:spLocks noGrp="1"/>
-          </p:cNvSpPr>
-          <p:nvPr>
-            <p:ph idx="1"/>
-          </p:nvPr>
-        </p:nvSpPr>
-        <p:spPr/>
-        <p:txBody>
-          <a:bodyPr/>
-          <a:lstStyle/>
-          <a:p>
-            <a:endParaRPr lang="en-US"/>
-          </a:p>
-        </p:txBody>
-      </p:sp>
-      <p:pic>
-        <p:nvPicPr>
-          <p:cNvPr id="6146" name="Picture 2" descr="Coveralls Python · Actions · GitHub Marketplace · GitHub">
-            <a:extLst>
-              <a:ext uri="{FF2B5EF4-FFF2-40B4-BE49-F238E27FC236}">
-                <a16:creationId xmlns:a16="http://schemas.microsoft.com/office/drawing/2014/main" id="{05B75D90-57C6-D902-1B01-7FBDCCAA5FAA}"/>
-              </a:ext>
-            </a:extLst>
-          </p:cNvPr>
-          <p:cNvPicPr>
-            <a:picLocks noChangeAspect="1" noChangeArrowheads="1"/>
-          </p:cNvPicPr>
-          <p:nvPr/>
-        </p:nvPicPr>
-        <p:blipFill>
-          <a:blip r:embed="rId2">
-            <a:extLst>
-              <a:ext uri="{28A0092B-C50C-407E-A947-70E740481C1C}">
-                <a14:useLocalDpi xmlns:a14="http://schemas.microsoft.com/office/drawing/2010/main" val="0"/>
-              </a:ext>
-            </a:extLst>
-          </a:blip>
-          <a:srcRect/>
-          <a:stretch>
-            <a:fillRect/>
-          </a:stretch>
-        </p:blipFill>
-        <p:spPr bwMode="auto">
-          <a:xfrm>
-            <a:off x="1752600" y="2015732"/>
-            <a:ext cx="8686800" cy="3594100"/>
-          </a:xfrm>
-          <a:prstGeom prst="rect">
-            <a:avLst/>
-          </a:prstGeom>
-          <a:noFill/>
-          <a:extLst>
-            <a:ext uri="{909E8E84-426E-40DD-AFC4-6F175D3DCCD1}">
-              <a14:hiddenFill xmlns:a14="http://schemas.microsoft.com/office/drawing/2010/main">
-                <a:solidFill>
-                  <a:srgbClr val="FFFFFF"/>
-                </a:solidFill>
-              </a14:hiddenFill>
-            </a:ext>
-          </a:extLst>
-        </p:spPr>
-      </p:pic>
-    </p:spTree>
-    <p:extLst>
-      <p:ext uri="{BB962C8B-B14F-4D97-AF65-F5344CB8AC3E}">
-        <p14:creationId xmlns:p14="http://schemas.microsoft.com/office/powerpoint/2010/main" val="3188762410"/>
       </p:ext>
     </p:extLst>
   </p:cSld>
